--- a/@src/Banderas/Conlangs' Flags.pptx
+++ b/@src/Banderas/Conlangs' Flags.pptx
@@ -5,13 +5,14 @@
     <p:sldMasterId id="2147483648" r:id="rId1"/>
   </p:sldMasterIdLst>
   <p:sldIdLst>
-    <p:sldId id="262" r:id="rId2"/>
-    <p:sldId id="263" r:id="rId3"/>
-    <p:sldId id="261" r:id="rId4"/>
-    <p:sldId id="260" r:id="rId5"/>
-    <p:sldId id="259" r:id="rId6"/>
-    <p:sldId id="257" r:id="rId7"/>
-    <p:sldId id="256" r:id="rId8"/>
+    <p:sldId id="264" r:id="rId2"/>
+    <p:sldId id="262" r:id="rId3"/>
+    <p:sldId id="263" r:id="rId4"/>
+    <p:sldId id="261" r:id="rId5"/>
+    <p:sldId id="260" r:id="rId6"/>
+    <p:sldId id="259" r:id="rId7"/>
+    <p:sldId id="257" r:id="rId8"/>
+    <p:sldId id="256" r:id="rId9"/>
   </p:sldIdLst>
   <p:sldSz cx="12192000" cy="6858000"/>
   <p:notesSz cx="6858000" cy="9144000"/>
@@ -110,6 +111,11 @@
       </a:defRPr>
     </a:lvl9pPr>
   </p:defaultTextStyle>
+  <p:extLst>
+    <p:ext uri="{EFAFB233-063F-42B5-8137-9DF3F51BA10A}">
+      <p15:sldGuideLst xmlns:p15="http://schemas.microsoft.com/office/powerpoint/2012/main"/>
+    </p:ext>
+  </p:extLst>
 </p:presentation>
 </file>
 
@@ -262,7 +268,7 @@
           <a:p>
             <a:fld id="{97D07C31-17FD-4282-BE1B-410575909701}" type="datetimeFigureOut">
               <a:rPr lang="es-CL" smtClean="0"/>
-              <a:t>22-10-2022</a:t>
+              <a:t>24-10-2022</a:t>
             </a:fld>
             <a:endParaRPr lang="es-CL"/>
           </a:p>
@@ -462,7 +468,7 @@
           <a:p>
             <a:fld id="{97D07C31-17FD-4282-BE1B-410575909701}" type="datetimeFigureOut">
               <a:rPr lang="es-CL" smtClean="0"/>
-              <a:t>22-10-2022</a:t>
+              <a:t>24-10-2022</a:t>
             </a:fld>
             <a:endParaRPr lang="es-CL"/>
           </a:p>
@@ -672,7 +678,7 @@
           <a:p>
             <a:fld id="{97D07C31-17FD-4282-BE1B-410575909701}" type="datetimeFigureOut">
               <a:rPr lang="es-CL" smtClean="0"/>
-              <a:t>22-10-2022</a:t>
+              <a:t>24-10-2022</a:t>
             </a:fld>
             <a:endParaRPr lang="es-CL"/>
           </a:p>
@@ -872,7 +878,7 @@
           <a:p>
             <a:fld id="{97D07C31-17FD-4282-BE1B-410575909701}" type="datetimeFigureOut">
               <a:rPr lang="es-CL" smtClean="0"/>
-              <a:t>22-10-2022</a:t>
+              <a:t>24-10-2022</a:t>
             </a:fld>
             <a:endParaRPr lang="es-CL"/>
           </a:p>
@@ -1148,7 +1154,7 @@
           <a:p>
             <a:fld id="{97D07C31-17FD-4282-BE1B-410575909701}" type="datetimeFigureOut">
               <a:rPr lang="es-CL" smtClean="0"/>
-              <a:t>22-10-2022</a:t>
+              <a:t>24-10-2022</a:t>
             </a:fld>
             <a:endParaRPr lang="es-CL"/>
           </a:p>
@@ -1416,7 +1422,7 @@
           <a:p>
             <a:fld id="{97D07C31-17FD-4282-BE1B-410575909701}" type="datetimeFigureOut">
               <a:rPr lang="es-CL" smtClean="0"/>
-              <a:t>22-10-2022</a:t>
+              <a:t>24-10-2022</a:t>
             </a:fld>
             <a:endParaRPr lang="es-CL"/>
           </a:p>
@@ -1831,7 +1837,7 @@
           <a:p>
             <a:fld id="{97D07C31-17FD-4282-BE1B-410575909701}" type="datetimeFigureOut">
               <a:rPr lang="es-CL" smtClean="0"/>
-              <a:t>22-10-2022</a:t>
+              <a:t>24-10-2022</a:t>
             </a:fld>
             <a:endParaRPr lang="es-CL"/>
           </a:p>
@@ -1973,7 +1979,7 @@
           <a:p>
             <a:fld id="{97D07C31-17FD-4282-BE1B-410575909701}" type="datetimeFigureOut">
               <a:rPr lang="es-CL" smtClean="0"/>
-              <a:t>22-10-2022</a:t>
+              <a:t>24-10-2022</a:t>
             </a:fld>
             <a:endParaRPr lang="es-CL"/>
           </a:p>
@@ -2086,7 +2092,7 @@
           <a:p>
             <a:fld id="{97D07C31-17FD-4282-BE1B-410575909701}" type="datetimeFigureOut">
               <a:rPr lang="es-CL" smtClean="0"/>
-              <a:t>22-10-2022</a:t>
+              <a:t>24-10-2022</a:t>
             </a:fld>
             <a:endParaRPr lang="es-CL"/>
           </a:p>
@@ -2399,7 +2405,7 @@
           <a:p>
             <a:fld id="{97D07C31-17FD-4282-BE1B-410575909701}" type="datetimeFigureOut">
               <a:rPr lang="es-CL" smtClean="0"/>
-              <a:t>22-10-2022</a:t>
+              <a:t>24-10-2022</a:t>
             </a:fld>
             <a:endParaRPr lang="es-CL"/>
           </a:p>
@@ -2688,7 +2694,7 @@
           <a:p>
             <a:fld id="{97D07C31-17FD-4282-BE1B-410575909701}" type="datetimeFigureOut">
               <a:rPr lang="es-CL" smtClean="0"/>
-              <a:t>22-10-2022</a:t>
+              <a:t>24-10-2022</a:t>
             </a:fld>
             <a:endParaRPr lang="es-CL"/>
           </a:p>
@@ -2931,7 +2937,7 @@
           <a:p>
             <a:fld id="{97D07C31-17FD-4282-BE1B-410575909701}" type="datetimeFigureOut">
               <a:rPr lang="es-CL" smtClean="0"/>
-              <a:t>22-10-2022</a:t>
+              <a:t>24-10-2022</a:t>
             </a:fld>
             <a:endParaRPr lang="es-CL"/>
           </a:p>
@@ -3348,6 +3354,489 @@
           <a:chExt cx="0" cy="0"/>
         </a:xfrm>
       </p:grpSpPr>
+      <p:grpSp>
+        <p:nvGrpSpPr>
+          <p:cNvPr id="22" name="Grupo 21">
+            <a:extLst>
+              <a:ext uri="{FF2B5EF4-FFF2-40B4-BE49-F238E27FC236}">
+                <a16:creationId xmlns:a16="http://schemas.microsoft.com/office/drawing/2014/main" id="{CD53B7F4-BFA2-4A87-A60C-A9DD3852DC5F}"/>
+              </a:ext>
+            </a:extLst>
+          </p:cNvPr>
+          <p:cNvGrpSpPr/>
+          <p:nvPr/>
+        </p:nvGrpSpPr>
+        <p:grpSpPr>
+          <a:xfrm>
+            <a:off x="491271" y="591662"/>
+            <a:ext cx="10798794" cy="5400000"/>
+            <a:chOff x="491271" y="591662"/>
+            <a:chExt cx="10798794" cy="5400000"/>
+          </a:xfrm>
+        </p:grpSpPr>
+        <p:pic>
+          <p:nvPicPr>
+            <p:cNvPr id="3" name="Imagen 2" descr="Una caricatura de una persona&#10;&#10;Descripción generada automáticamente con confianza baja">
+              <a:extLst>
+                <a:ext uri="{FF2B5EF4-FFF2-40B4-BE49-F238E27FC236}">
+                  <a16:creationId xmlns:a16="http://schemas.microsoft.com/office/drawing/2014/main" id="{EB6CAF17-5213-4258-BFBC-D6858D65B2CA}"/>
+                </a:ext>
+              </a:extLst>
+            </p:cNvPr>
+            <p:cNvPicPr>
+              <a:picLocks noChangeAspect="1"/>
+            </p:cNvPicPr>
+            <p:nvPr/>
+          </p:nvPicPr>
+          <p:blipFill>
+            <a:blip r:embed="rId2">
+              <a:extLst>
+                <a:ext uri="{28A0092B-C50C-407E-A947-70E740481C1C}">
+                  <a14:useLocalDpi xmlns:a14="http://schemas.microsoft.com/office/drawing/2010/main" val="0"/>
+                </a:ext>
+              </a:extLst>
+            </a:blip>
+            <a:stretch>
+              <a:fillRect/>
+            </a:stretch>
+          </p:blipFill>
+          <p:spPr>
+            <a:xfrm>
+              <a:off x="8586656" y="2391662"/>
+              <a:ext cx="2699615" cy="1800000"/>
+            </a:xfrm>
+            <a:prstGeom prst="rect">
+              <a:avLst/>
+            </a:prstGeom>
+          </p:spPr>
+        </p:pic>
+        <p:pic>
+          <p:nvPicPr>
+            <p:cNvPr id="7" name="Imagen 6" descr="Icono&#10;&#10;Descripción generada automáticamente">
+              <a:extLst>
+                <a:ext uri="{FF2B5EF4-FFF2-40B4-BE49-F238E27FC236}">
+                  <a16:creationId xmlns:a16="http://schemas.microsoft.com/office/drawing/2014/main" id="{6154BE3B-BF21-4259-9368-6F4FC4798A0F}"/>
+                </a:ext>
+              </a:extLst>
+            </p:cNvPr>
+            <p:cNvPicPr>
+              <a:picLocks noChangeAspect="1"/>
+            </p:cNvPicPr>
+            <p:nvPr/>
+          </p:nvPicPr>
+          <p:blipFill>
+            <a:blip r:embed="rId3">
+              <a:extLst>
+                <a:ext uri="{28A0092B-C50C-407E-A947-70E740481C1C}">
+                  <a14:useLocalDpi xmlns:a14="http://schemas.microsoft.com/office/drawing/2010/main" val="0"/>
+                </a:ext>
+              </a:extLst>
+            </a:blip>
+            <a:stretch>
+              <a:fillRect/>
+            </a:stretch>
+          </p:blipFill>
+          <p:spPr>
+            <a:xfrm>
+              <a:off x="8586656" y="591662"/>
+              <a:ext cx="2699615" cy="1800000"/>
+            </a:xfrm>
+            <a:prstGeom prst="rect">
+              <a:avLst/>
+            </a:prstGeom>
+          </p:spPr>
+        </p:pic>
+        <p:pic>
+          <p:nvPicPr>
+            <p:cNvPr id="9" name="Imagen 8" descr="Imagen que contiene Gráfico&#10;&#10;Descripción generada automáticamente">
+              <a:extLst>
+                <a:ext uri="{FF2B5EF4-FFF2-40B4-BE49-F238E27FC236}">
+                  <a16:creationId xmlns:a16="http://schemas.microsoft.com/office/drawing/2014/main" id="{D6F9C6A7-B609-4041-9E35-D5B9081C7B38}"/>
+                </a:ext>
+              </a:extLst>
+            </p:cNvPr>
+            <p:cNvPicPr>
+              <a:picLocks noChangeAspect="1"/>
+            </p:cNvPicPr>
+            <p:nvPr/>
+          </p:nvPicPr>
+          <p:blipFill>
+            <a:blip r:embed="rId4">
+              <a:extLst>
+                <a:ext uri="{28A0092B-C50C-407E-A947-70E740481C1C}">
+                  <a14:useLocalDpi xmlns:a14="http://schemas.microsoft.com/office/drawing/2010/main" val="0"/>
+                </a:ext>
+              </a:extLst>
+            </a:blip>
+            <a:stretch>
+              <a:fillRect/>
+            </a:stretch>
+          </p:blipFill>
+          <p:spPr>
+            <a:xfrm>
+              <a:off x="3192085" y="591662"/>
+              <a:ext cx="2699423" cy="1800000"/>
+            </a:xfrm>
+            <a:prstGeom prst="rect">
+              <a:avLst/>
+            </a:prstGeom>
+          </p:spPr>
+        </p:pic>
+        <p:pic>
+          <p:nvPicPr>
+            <p:cNvPr id="11" name="Imagen 10" descr="Logotipo&#10;&#10;Descripción generada automáticamente">
+              <a:extLst>
+                <a:ext uri="{FF2B5EF4-FFF2-40B4-BE49-F238E27FC236}">
+                  <a16:creationId xmlns:a16="http://schemas.microsoft.com/office/drawing/2014/main" id="{6D83253F-8D8F-4D56-913E-E4E37EF6AB30}"/>
+                </a:ext>
+              </a:extLst>
+            </p:cNvPr>
+            <p:cNvPicPr>
+              <a:picLocks noChangeAspect="1"/>
+            </p:cNvPicPr>
+            <p:nvPr/>
+          </p:nvPicPr>
+          <p:blipFill>
+            <a:blip r:embed="rId5">
+              <a:extLst>
+                <a:ext uri="{28A0092B-C50C-407E-A947-70E740481C1C}">
+                  <a14:useLocalDpi xmlns:a14="http://schemas.microsoft.com/office/drawing/2010/main" val="0"/>
+                </a:ext>
+              </a:extLst>
+            </a:blip>
+            <a:stretch>
+              <a:fillRect/>
+            </a:stretch>
+          </p:blipFill>
+          <p:spPr>
+            <a:xfrm>
+              <a:off x="492470" y="591662"/>
+              <a:ext cx="2699615" cy="1800000"/>
+            </a:xfrm>
+            <a:prstGeom prst="rect">
+              <a:avLst/>
+            </a:prstGeom>
+          </p:spPr>
+        </p:pic>
+        <p:pic>
+          <p:nvPicPr>
+            <p:cNvPr id="13" name="Imagen 12" descr="Icono&#10;&#10;Descripción generada automáticamente">
+              <a:extLst>
+                <a:ext uri="{FF2B5EF4-FFF2-40B4-BE49-F238E27FC236}">
+                  <a16:creationId xmlns:a16="http://schemas.microsoft.com/office/drawing/2014/main" id="{DB0FF48A-7F66-480D-9EF1-C30EEBDD383F}"/>
+                </a:ext>
+              </a:extLst>
+            </p:cNvPr>
+            <p:cNvPicPr>
+              <a:picLocks noChangeAspect="1"/>
+            </p:cNvPicPr>
+            <p:nvPr/>
+          </p:nvPicPr>
+          <p:blipFill>
+            <a:blip r:embed="rId6">
+              <a:extLst>
+                <a:ext uri="{28A0092B-C50C-407E-A947-70E740481C1C}">
+                  <a14:useLocalDpi xmlns:a14="http://schemas.microsoft.com/office/drawing/2010/main" val="0"/>
+                </a:ext>
+              </a:extLst>
+            </a:blip>
+            <a:stretch>
+              <a:fillRect/>
+            </a:stretch>
+          </p:blipFill>
+          <p:spPr>
+            <a:xfrm>
+              <a:off x="5891316" y="2391662"/>
+              <a:ext cx="2699615" cy="1800000"/>
+            </a:xfrm>
+            <a:prstGeom prst="rect">
+              <a:avLst/>
+            </a:prstGeom>
+          </p:spPr>
+        </p:pic>
+        <p:pic>
+          <p:nvPicPr>
+            <p:cNvPr id="15" name="Imagen 14" descr="Logotipo&#10;&#10;Descripción generada automáticamente">
+              <a:extLst>
+                <a:ext uri="{FF2B5EF4-FFF2-40B4-BE49-F238E27FC236}">
+                  <a16:creationId xmlns:a16="http://schemas.microsoft.com/office/drawing/2014/main" id="{4816AF24-CF86-425B-8C48-C21A12752CE4}"/>
+                </a:ext>
+              </a:extLst>
+            </p:cNvPr>
+            <p:cNvPicPr>
+              <a:picLocks noChangeAspect="1"/>
+            </p:cNvPicPr>
+            <p:nvPr/>
+          </p:nvPicPr>
+          <p:blipFill>
+            <a:blip r:embed="rId7">
+              <a:extLst>
+                <a:ext uri="{28A0092B-C50C-407E-A947-70E740481C1C}">
+                  <a14:useLocalDpi xmlns:a14="http://schemas.microsoft.com/office/drawing/2010/main" val="0"/>
+                </a:ext>
+              </a:extLst>
+            </a:blip>
+            <a:stretch>
+              <a:fillRect/>
+            </a:stretch>
+          </p:blipFill>
+          <p:spPr>
+            <a:xfrm>
+              <a:off x="5891508" y="591662"/>
+              <a:ext cx="2699615" cy="1800000"/>
+            </a:xfrm>
+            <a:prstGeom prst="rect">
+              <a:avLst/>
+            </a:prstGeom>
+          </p:spPr>
+        </p:pic>
+        <p:pic>
+          <p:nvPicPr>
+            <p:cNvPr id="16" name="Imagen 15" descr="Imagen que contiene Gráfico&#10;&#10;Descripción generada automáticamente">
+              <a:extLst>
+                <a:ext uri="{FF2B5EF4-FFF2-40B4-BE49-F238E27FC236}">
+                  <a16:creationId xmlns:a16="http://schemas.microsoft.com/office/drawing/2014/main" id="{622F5428-9DA0-4238-A7D8-52F3BB7A1FCD}"/>
+                </a:ext>
+              </a:extLst>
+            </p:cNvPr>
+            <p:cNvPicPr>
+              <a:picLocks noChangeAspect="1"/>
+            </p:cNvPicPr>
+            <p:nvPr/>
+          </p:nvPicPr>
+          <p:blipFill>
+            <a:blip r:embed="rId4">
+              <a:extLst>
+                <a:ext uri="{28A0092B-C50C-407E-A947-70E740481C1C}">
+                  <a14:useLocalDpi xmlns:a14="http://schemas.microsoft.com/office/drawing/2010/main" val="0"/>
+                </a:ext>
+              </a:extLst>
+            </a:blip>
+            <a:stretch>
+              <a:fillRect/>
+            </a:stretch>
+          </p:blipFill>
+          <p:spPr>
+            <a:xfrm>
+              <a:off x="8590642" y="4191662"/>
+              <a:ext cx="2699423" cy="1800000"/>
+            </a:xfrm>
+            <a:prstGeom prst="rect">
+              <a:avLst/>
+            </a:prstGeom>
+          </p:spPr>
+        </p:pic>
+        <p:pic>
+          <p:nvPicPr>
+            <p:cNvPr id="17" name="Imagen 16" descr="Icono&#10;&#10;Descripción generada automáticamente">
+              <a:extLst>
+                <a:ext uri="{FF2B5EF4-FFF2-40B4-BE49-F238E27FC236}">
+                  <a16:creationId xmlns:a16="http://schemas.microsoft.com/office/drawing/2014/main" id="{9C098D4F-602E-45BB-B888-03AFBDBFA123}"/>
+                </a:ext>
+              </a:extLst>
+            </p:cNvPr>
+            <p:cNvPicPr>
+              <a:picLocks noChangeAspect="1"/>
+            </p:cNvPicPr>
+            <p:nvPr/>
+          </p:nvPicPr>
+          <p:blipFill>
+            <a:blip r:embed="rId6">
+              <a:extLst>
+                <a:ext uri="{28A0092B-C50C-407E-A947-70E740481C1C}">
+                  <a14:useLocalDpi xmlns:a14="http://schemas.microsoft.com/office/drawing/2010/main" val="0"/>
+                </a:ext>
+              </a:extLst>
+            </a:blip>
+            <a:stretch>
+              <a:fillRect/>
+            </a:stretch>
+          </p:blipFill>
+          <p:spPr>
+            <a:xfrm>
+              <a:off x="492231" y="4191662"/>
+              <a:ext cx="2699615" cy="1800000"/>
+            </a:xfrm>
+            <a:prstGeom prst="rect">
+              <a:avLst/>
+            </a:prstGeom>
+          </p:spPr>
+        </p:pic>
+        <p:pic>
+          <p:nvPicPr>
+            <p:cNvPr id="18" name="Imagen 17" descr="Logotipo&#10;&#10;Descripción generada automáticamente">
+              <a:extLst>
+                <a:ext uri="{FF2B5EF4-FFF2-40B4-BE49-F238E27FC236}">
+                  <a16:creationId xmlns:a16="http://schemas.microsoft.com/office/drawing/2014/main" id="{DE79A543-4003-423A-AB36-240EED78D6F4}"/>
+                </a:ext>
+              </a:extLst>
+            </p:cNvPr>
+            <p:cNvPicPr>
+              <a:picLocks noChangeAspect="1"/>
+            </p:cNvPicPr>
+            <p:nvPr/>
+          </p:nvPicPr>
+          <p:blipFill>
+            <a:blip r:embed="rId5">
+              <a:extLst>
+                <a:ext uri="{28A0092B-C50C-407E-A947-70E740481C1C}">
+                  <a14:useLocalDpi xmlns:a14="http://schemas.microsoft.com/office/drawing/2010/main" val="0"/>
+                </a:ext>
+              </a:extLst>
+            </a:blip>
+            <a:stretch>
+              <a:fillRect/>
+            </a:stretch>
+          </p:blipFill>
+          <p:spPr>
+            <a:xfrm>
+              <a:off x="5890885" y="4191662"/>
+              <a:ext cx="2699615" cy="1800000"/>
+            </a:xfrm>
+            <a:prstGeom prst="rect">
+              <a:avLst/>
+            </a:prstGeom>
+          </p:spPr>
+        </p:pic>
+        <p:pic>
+          <p:nvPicPr>
+            <p:cNvPr id="19" name="Imagen 18" descr="Icono&#10;&#10;Descripción generada automáticamente">
+              <a:extLst>
+                <a:ext uri="{FF2B5EF4-FFF2-40B4-BE49-F238E27FC236}">
+                  <a16:creationId xmlns:a16="http://schemas.microsoft.com/office/drawing/2014/main" id="{86E1BF8D-1727-4C39-9C50-A28FD7CB31E9}"/>
+                </a:ext>
+              </a:extLst>
+            </p:cNvPr>
+            <p:cNvPicPr>
+              <a:picLocks noChangeAspect="1"/>
+            </p:cNvPicPr>
+            <p:nvPr/>
+          </p:nvPicPr>
+          <p:blipFill>
+            <a:blip r:embed="rId3">
+              <a:extLst>
+                <a:ext uri="{28A0092B-C50C-407E-A947-70E740481C1C}">
+                  <a14:useLocalDpi xmlns:a14="http://schemas.microsoft.com/office/drawing/2010/main" val="0"/>
+                </a:ext>
+              </a:extLst>
+            </a:blip>
+            <a:stretch>
+              <a:fillRect/>
+            </a:stretch>
+          </p:blipFill>
+          <p:spPr>
+            <a:xfrm>
+              <a:off x="3190670" y="2391662"/>
+              <a:ext cx="2699615" cy="1800000"/>
+            </a:xfrm>
+            <a:prstGeom prst="rect">
+              <a:avLst/>
+            </a:prstGeom>
+          </p:spPr>
+        </p:pic>
+        <p:pic>
+          <p:nvPicPr>
+            <p:cNvPr id="20" name="Imagen 19" descr="Una caricatura de una persona&#10;&#10;Descripción generada automáticamente con confianza baja">
+              <a:extLst>
+                <a:ext uri="{FF2B5EF4-FFF2-40B4-BE49-F238E27FC236}">
+                  <a16:creationId xmlns:a16="http://schemas.microsoft.com/office/drawing/2014/main" id="{CA3E6ABC-0215-4E3A-8248-4515B0A443C3}"/>
+                </a:ext>
+              </a:extLst>
+            </p:cNvPr>
+            <p:cNvPicPr>
+              <a:picLocks noChangeAspect="1"/>
+            </p:cNvPicPr>
+            <p:nvPr/>
+          </p:nvPicPr>
+          <p:blipFill>
+            <a:blip r:embed="rId2">
+              <a:extLst>
+                <a:ext uri="{28A0092B-C50C-407E-A947-70E740481C1C}">
+                  <a14:useLocalDpi xmlns:a14="http://schemas.microsoft.com/office/drawing/2010/main" val="0"/>
+                </a:ext>
+              </a:extLst>
+            </a:blip>
+            <a:stretch>
+              <a:fillRect/>
+            </a:stretch>
+          </p:blipFill>
+          <p:spPr>
+            <a:xfrm>
+              <a:off x="3190669" y="4191662"/>
+              <a:ext cx="2699615" cy="1800000"/>
+            </a:xfrm>
+            <a:prstGeom prst="rect">
+              <a:avLst/>
+            </a:prstGeom>
+          </p:spPr>
+        </p:pic>
+        <p:pic>
+          <p:nvPicPr>
+            <p:cNvPr id="21" name="Imagen 20" descr="Logotipo&#10;&#10;Descripción generada automáticamente">
+              <a:extLst>
+                <a:ext uri="{FF2B5EF4-FFF2-40B4-BE49-F238E27FC236}">
+                  <a16:creationId xmlns:a16="http://schemas.microsoft.com/office/drawing/2014/main" id="{8A2AFEEF-65A2-4D5B-8CC9-E0AC275607F8}"/>
+                </a:ext>
+              </a:extLst>
+            </p:cNvPr>
+            <p:cNvPicPr>
+              <a:picLocks noChangeAspect="1"/>
+            </p:cNvPicPr>
+            <p:nvPr/>
+          </p:nvPicPr>
+          <p:blipFill>
+            <a:blip r:embed="rId7">
+              <a:extLst>
+                <a:ext uri="{28A0092B-C50C-407E-A947-70E740481C1C}">
+                  <a14:useLocalDpi xmlns:a14="http://schemas.microsoft.com/office/drawing/2010/main" val="0"/>
+                </a:ext>
+              </a:extLst>
+            </a:blip>
+            <a:stretch>
+              <a:fillRect/>
+            </a:stretch>
+          </p:blipFill>
+          <p:spPr>
+            <a:xfrm>
+              <a:off x="491271" y="2391662"/>
+              <a:ext cx="2699615" cy="1800000"/>
+            </a:xfrm>
+            <a:prstGeom prst="rect">
+              <a:avLst/>
+            </a:prstGeom>
+          </p:spPr>
+        </p:pic>
+      </p:grpSp>
+    </p:spTree>
+    <p:extLst>
+      <p:ext uri="{BB962C8B-B14F-4D97-AF65-F5344CB8AC3E}">
+        <p14:creationId xmlns:p14="http://schemas.microsoft.com/office/powerpoint/2010/main" val="4273818318"/>
+      </p:ext>
+    </p:extLst>
+  </p:cSld>
+  <p:clrMapOvr>
+    <a:masterClrMapping/>
+  </p:clrMapOvr>
+</p:sld>
+</file>
+
+<file path=ppt/slides/slide2.xml><?xml version="1.0" encoding="utf-8"?>
+<p:sld xmlns:a="http://schemas.openxmlformats.org/drawingml/2006/main" xmlns:r="http://schemas.openxmlformats.org/officeDocument/2006/relationships" xmlns:p="http://schemas.openxmlformats.org/presentationml/2006/main">
+  <p:cSld>
+    <p:spTree>
+      <p:nvGrpSpPr>
+        <p:cNvPr id="1" name=""/>
+        <p:cNvGrpSpPr/>
+        <p:nvPr/>
+      </p:nvGrpSpPr>
+      <p:grpSpPr>
+        <a:xfrm>
+          <a:off x="0" y="0"/>
+          <a:ext cx="0" cy="0"/>
+          <a:chOff x="0" y="0"/>
+          <a:chExt cx="0" cy="0"/>
+        </a:xfrm>
+      </p:grpSpPr>
       <p:pic>
         <p:nvPicPr>
           <p:cNvPr id="3" name="Imagen 2" descr="Imagen que contiene Gráfico&#10;&#10;Descripción generada automáticamente">
@@ -3397,7 +3886,7 @@
 </p:sld>
 </file>
 
-<file path=ppt/slides/slide2.xml><?xml version="1.0" encoding="utf-8"?>
+<file path=ppt/slides/slide3.xml><?xml version="1.0" encoding="utf-8"?>
 <p:sld xmlns:a="http://schemas.openxmlformats.org/drawingml/2006/main" xmlns:r="http://schemas.openxmlformats.org/officeDocument/2006/relationships" xmlns:p="http://schemas.openxmlformats.org/presentationml/2006/main">
   <p:cSld>
     <p:spTree>
@@ -4072,7 +4561,7 @@
 </p:sld>
 </file>
 
-<file path=ppt/slides/slide3.xml><?xml version="1.0" encoding="utf-8"?>
+<file path=ppt/slides/slide4.xml><?xml version="1.0" encoding="utf-8"?>
 <p:sld xmlns:a="http://schemas.openxmlformats.org/drawingml/2006/main" xmlns:r="http://schemas.openxmlformats.org/officeDocument/2006/relationships" xmlns:p="http://schemas.openxmlformats.org/presentationml/2006/main">
   <p:cSld>
     <p:spTree>
@@ -4337,7 +4826,7 @@
 </p:sld>
 </file>
 
-<file path=ppt/slides/slide4.xml><?xml version="1.0" encoding="utf-8"?>
+<file path=ppt/slides/slide5.xml><?xml version="1.0" encoding="utf-8"?>
 <p:sld xmlns:a="http://schemas.openxmlformats.org/drawingml/2006/main" xmlns:r="http://schemas.openxmlformats.org/officeDocument/2006/relationships" xmlns:p="http://schemas.openxmlformats.org/presentationml/2006/main">
   <p:cSld>
     <p:spTree>
@@ -4656,7 +5145,7 @@
 </p:sld>
 </file>
 
-<file path=ppt/slides/slide5.xml><?xml version="1.0" encoding="utf-8"?>
+<file path=ppt/slides/slide6.xml><?xml version="1.0" encoding="utf-8"?>
 <p:sld xmlns:a="http://schemas.openxmlformats.org/drawingml/2006/main" xmlns:r="http://schemas.openxmlformats.org/officeDocument/2006/relationships" xmlns:p="http://schemas.openxmlformats.org/presentationml/2006/main">
   <p:cSld>
     <p:spTree>
@@ -5368,7 +5857,7 @@
 </p:sld>
 </file>
 
-<file path=ppt/slides/slide6.xml><?xml version="1.0" encoding="utf-8"?>
+<file path=ppt/slides/slide7.xml><?xml version="1.0" encoding="utf-8"?>
 <p:sld xmlns:a="http://schemas.openxmlformats.org/drawingml/2006/main" xmlns:r="http://schemas.openxmlformats.org/officeDocument/2006/relationships" xmlns:p="http://schemas.openxmlformats.org/presentationml/2006/main">
   <p:cSld>
     <p:spTree>
@@ -5434,7 +5923,7 @@
 </p:sld>
 </file>
 
-<file path=ppt/slides/slide7.xml><?xml version="1.0" encoding="utf-8"?>
+<file path=ppt/slides/slide8.xml><?xml version="1.0" encoding="utf-8"?>
 <p:sld xmlns:a="http://schemas.openxmlformats.org/drawingml/2006/main" xmlns:r="http://schemas.openxmlformats.org/officeDocument/2006/relationships" xmlns:p="http://schemas.openxmlformats.org/presentationml/2006/main">
   <p:cSld>
     <p:spTree>

--- a/@src/Banderas/Conlangs' Flags.pptx
+++ b/@src/Banderas/Conlangs' Flags.pptx
@@ -13,6 +13,9 @@
     <p:sldId id="259" r:id="rId7"/>
     <p:sldId id="257" r:id="rId8"/>
     <p:sldId id="256" r:id="rId9"/>
+    <p:sldId id="265" r:id="rId10"/>
+    <p:sldId id="266" r:id="rId11"/>
+    <p:sldId id="267" r:id="rId12"/>
   </p:sldIdLst>
   <p:sldSz cx="12192000" cy="6858000"/>
   <p:notesSz cx="6858000" cy="9144000"/>
@@ -268,7 +271,7 @@
           <a:p>
             <a:fld id="{97D07C31-17FD-4282-BE1B-410575909701}" type="datetimeFigureOut">
               <a:rPr lang="es-CL" smtClean="0"/>
-              <a:t>24-10-2022</a:t>
+              <a:t>29-11-2022</a:t>
             </a:fld>
             <a:endParaRPr lang="es-CL"/>
           </a:p>
@@ -468,7 +471,7 @@
           <a:p>
             <a:fld id="{97D07C31-17FD-4282-BE1B-410575909701}" type="datetimeFigureOut">
               <a:rPr lang="es-CL" smtClean="0"/>
-              <a:t>24-10-2022</a:t>
+              <a:t>29-11-2022</a:t>
             </a:fld>
             <a:endParaRPr lang="es-CL"/>
           </a:p>
@@ -678,7 +681,7 @@
           <a:p>
             <a:fld id="{97D07C31-17FD-4282-BE1B-410575909701}" type="datetimeFigureOut">
               <a:rPr lang="es-CL" smtClean="0"/>
-              <a:t>24-10-2022</a:t>
+              <a:t>29-11-2022</a:t>
             </a:fld>
             <a:endParaRPr lang="es-CL"/>
           </a:p>
@@ -878,7 +881,7 @@
           <a:p>
             <a:fld id="{97D07C31-17FD-4282-BE1B-410575909701}" type="datetimeFigureOut">
               <a:rPr lang="es-CL" smtClean="0"/>
-              <a:t>24-10-2022</a:t>
+              <a:t>29-11-2022</a:t>
             </a:fld>
             <a:endParaRPr lang="es-CL"/>
           </a:p>
@@ -1154,7 +1157,7 @@
           <a:p>
             <a:fld id="{97D07C31-17FD-4282-BE1B-410575909701}" type="datetimeFigureOut">
               <a:rPr lang="es-CL" smtClean="0"/>
-              <a:t>24-10-2022</a:t>
+              <a:t>29-11-2022</a:t>
             </a:fld>
             <a:endParaRPr lang="es-CL"/>
           </a:p>
@@ -1422,7 +1425,7 @@
           <a:p>
             <a:fld id="{97D07C31-17FD-4282-BE1B-410575909701}" type="datetimeFigureOut">
               <a:rPr lang="es-CL" smtClean="0"/>
-              <a:t>24-10-2022</a:t>
+              <a:t>29-11-2022</a:t>
             </a:fld>
             <a:endParaRPr lang="es-CL"/>
           </a:p>
@@ -1837,7 +1840,7 @@
           <a:p>
             <a:fld id="{97D07C31-17FD-4282-BE1B-410575909701}" type="datetimeFigureOut">
               <a:rPr lang="es-CL" smtClean="0"/>
-              <a:t>24-10-2022</a:t>
+              <a:t>29-11-2022</a:t>
             </a:fld>
             <a:endParaRPr lang="es-CL"/>
           </a:p>
@@ -1979,7 +1982,7 @@
           <a:p>
             <a:fld id="{97D07C31-17FD-4282-BE1B-410575909701}" type="datetimeFigureOut">
               <a:rPr lang="es-CL" smtClean="0"/>
-              <a:t>24-10-2022</a:t>
+              <a:t>29-11-2022</a:t>
             </a:fld>
             <a:endParaRPr lang="es-CL"/>
           </a:p>
@@ -2092,7 +2095,7 @@
           <a:p>
             <a:fld id="{97D07C31-17FD-4282-BE1B-410575909701}" type="datetimeFigureOut">
               <a:rPr lang="es-CL" smtClean="0"/>
-              <a:t>24-10-2022</a:t>
+              <a:t>29-11-2022</a:t>
             </a:fld>
             <a:endParaRPr lang="es-CL"/>
           </a:p>
@@ -2405,7 +2408,7 @@
           <a:p>
             <a:fld id="{97D07C31-17FD-4282-BE1B-410575909701}" type="datetimeFigureOut">
               <a:rPr lang="es-CL" smtClean="0"/>
-              <a:t>24-10-2022</a:t>
+              <a:t>29-11-2022</a:t>
             </a:fld>
             <a:endParaRPr lang="es-CL"/>
           </a:p>
@@ -2694,7 +2697,7 @@
           <a:p>
             <a:fld id="{97D07C31-17FD-4282-BE1B-410575909701}" type="datetimeFigureOut">
               <a:rPr lang="es-CL" smtClean="0"/>
-              <a:t>24-10-2022</a:t>
+              <a:t>29-11-2022</a:t>
             </a:fld>
             <a:endParaRPr lang="es-CL"/>
           </a:p>
@@ -2937,7 +2940,7 @@
           <a:p>
             <a:fld id="{97D07C31-17FD-4282-BE1B-410575909701}" type="datetimeFigureOut">
               <a:rPr lang="es-CL" smtClean="0"/>
-              <a:t>24-10-2022</a:t>
+              <a:t>29-11-2022</a:t>
             </a:fld>
             <a:endParaRPr lang="es-CL"/>
           </a:p>
@@ -3811,6 +3814,136 @@
     <p:extLst>
       <p:ext uri="{BB962C8B-B14F-4D97-AF65-F5344CB8AC3E}">
         <p14:creationId xmlns:p14="http://schemas.microsoft.com/office/powerpoint/2010/main" val="4273818318"/>
+      </p:ext>
+    </p:extLst>
+  </p:cSld>
+  <p:clrMapOvr>
+    <a:masterClrMapping/>
+  </p:clrMapOvr>
+</p:sld>
+</file>
+
+<file path=ppt/slides/slide10.xml><?xml version="1.0" encoding="utf-8"?>
+<p:sld xmlns:a="http://schemas.openxmlformats.org/drawingml/2006/main" xmlns:r="http://schemas.openxmlformats.org/officeDocument/2006/relationships" xmlns:p="http://schemas.openxmlformats.org/presentationml/2006/main">
+  <p:cSld>
+    <p:spTree>
+      <p:nvGrpSpPr>
+        <p:cNvPr id="1" name=""/>
+        <p:cNvGrpSpPr/>
+        <p:nvPr/>
+      </p:nvGrpSpPr>
+      <p:grpSpPr>
+        <a:xfrm>
+          <a:off x="0" y="0"/>
+          <a:ext cx="0" cy="0"/>
+          <a:chOff x="0" y="0"/>
+          <a:chExt cx="0" cy="0"/>
+        </a:xfrm>
+      </p:grpSpPr>
+      <p:pic>
+        <p:nvPicPr>
+          <p:cNvPr id="3" name="Imagen 2" descr="Icono&#10;&#10;Descripción generada automáticamente">
+            <a:extLst>
+              <a:ext uri="{FF2B5EF4-FFF2-40B4-BE49-F238E27FC236}">
+                <a16:creationId xmlns:a16="http://schemas.microsoft.com/office/drawing/2014/main" id="{3EAB1697-F7DA-4401-A3D1-38D1631A3E0E}"/>
+              </a:ext>
+            </a:extLst>
+          </p:cNvPr>
+          <p:cNvPicPr>
+            <a:picLocks noChangeAspect="1"/>
+          </p:cNvPicPr>
+          <p:nvPr/>
+        </p:nvPicPr>
+        <p:blipFill rotWithShape="1">
+          <a:blip r:embed="rId2">
+            <a:extLst>
+              <a:ext uri="{28A0092B-C50C-407E-A947-70E740481C1C}">
+                <a14:useLocalDpi xmlns:a14="http://schemas.microsoft.com/office/drawing/2010/main" val="0"/>
+              </a:ext>
+            </a:extLst>
+          </a:blip>
+          <a:srcRect l="7553" t="3" b="16008"/>
+          <a:stretch/>
+        </p:blipFill>
+        <p:spPr>
+          <a:xfrm>
+            <a:off x="1776025" y="128513"/>
+            <a:ext cx="9719532" cy="6480000"/>
+          </a:xfrm>
+          <a:prstGeom prst="rect">
+            <a:avLst/>
+          </a:prstGeom>
+        </p:spPr>
+      </p:pic>
+    </p:spTree>
+    <p:extLst>
+      <p:ext uri="{BB962C8B-B14F-4D97-AF65-F5344CB8AC3E}">
+        <p14:creationId xmlns:p14="http://schemas.microsoft.com/office/powerpoint/2010/main" val="18676436"/>
+      </p:ext>
+    </p:extLst>
+  </p:cSld>
+  <p:clrMapOvr>
+    <a:masterClrMapping/>
+  </p:clrMapOvr>
+</p:sld>
+</file>
+
+<file path=ppt/slides/slide11.xml><?xml version="1.0" encoding="utf-8"?>
+<p:sld xmlns:a="http://schemas.openxmlformats.org/drawingml/2006/main" xmlns:r="http://schemas.openxmlformats.org/officeDocument/2006/relationships" xmlns:p="http://schemas.openxmlformats.org/presentationml/2006/main">
+  <p:cSld>
+    <p:spTree>
+      <p:nvGrpSpPr>
+        <p:cNvPr id="1" name=""/>
+        <p:cNvGrpSpPr/>
+        <p:nvPr/>
+      </p:nvGrpSpPr>
+      <p:grpSpPr>
+        <a:xfrm>
+          <a:off x="0" y="0"/>
+          <a:ext cx="0" cy="0"/>
+          <a:chOff x="0" y="0"/>
+          <a:chExt cx="0" cy="0"/>
+        </a:xfrm>
+      </p:grpSpPr>
+      <p:pic>
+        <p:nvPicPr>
+          <p:cNvPr id="5" name="Imagen 4" descr="Icono&#10;&#10;Descripción generada automáticamente">
+            <a:extLst>
+              <a:ext uri="{FF2B5EF4-FFF2-40B4-BE49-F238E27FC236}">
+                <a16:creationId xmlns:a16="http://schemas.microsoft.com/office/drawing/2014/main" id="{C64DFFC2-EABA-4C75-9CF1-4C28140B3D9D}"/>
+              </a:ext>
+            </a:extLst>
+          </p:cNvPr>
+          <p:cNvPicPr>
+            <a:picLocks noChangeAspect="1"/>
+          </p:cNvPicPr>
+          <p:nvPr/>
+        </p:nvPicPr>
+        <p:blipFill rotWithShape="1">
+          <a:blip r:embed="rId2">
+            <a:extLst>
+              <a:ext uri="{28A0092B-C50C-407E-A947-70E740481C1C}">
+                <a14:useLocalDpi xmlns:a14="http://schemas.microsoft.com/office/drawing/2010/main" val="0"/>
+              </a:ext>
+            </a:extLst>
+          </a:blip>
+          <a:srcRect l="7544" t="-1" b="16006"/>
+          <a:stretch/>
+        </p:blipFill>
+        <p:spPr>
+          <a:xfrm>
+            <a:off x="1235606" y="189000"/>
+            <a:ext cx="9720787" cy="6480000"/>
+          </a:xfrm>
+          <a:prstGeom prst="rect">
+            <a:avLst/>
+          </a:prstGeom>
+        </p:spPr>
+      </p:pic>
+    </p:spTree>
+    <p:extLst>
+      <p:ext uri="{BB962C8B-B14F-4D97-AF65-F5344CB8AC3E}">
+        <p14:creationId xmlns:p14="http://schemas.microsoft.com/office/powerpoint/2010/main" val="1036759011"/>
       </p:ext>
     </p:extLst>
   </p:cSld>
@@ -6185,6 +6318,1774 @@
 </p:sld>
 </file>
 
+<file path=ppt/slides/slide9.xml><?xml version="1.0" encoding="utf-8"?>
+<p:sld xmlns:a="http://schemas.openxmlformats.org/drawingml/2006/main" xmlns:r="http://schemas.openxmlformats.org/officeDocument/2006/relationships" xmlns:p="http://schemas.openxmlformats.org/presentationml/2006/main">
+  <p:cSld>
+    <p:spTree>
+      <p:nvGrpSpPr>
+        <p:cNvPr id="1" name=""/>
+        <p:cNvGrpSpPr/>
+        <p:nvPr/>
+      </p:nvGrpSpPr>
+      <p:grpSpPr>
+        <a:xfrm>
+          <a:off x="0" y="0"/>
+          <a:ext cx="0" cy="0"/>
+          <a:chOff x="0" y="0"/>
+          <a:chExt cx="0" cy="0"/>
+        </a:xfrm>
+      </p:grpSpPr>
+      <p:grpSp>
+        <p:nvGrpSpPr>
+          <p:cNvPr id="54" name="Grupo 53">
+            <a:extLst>
+              <a:ext uri="{FF2B5EF4-FFF2-40B4-BE49-F238E27FC236}">
+                <a16:creationId xmlns:a16="http://schemas.microsoft.com/office/drawing/2014/main" id="{01C6E19D-3EAB-416F-9D4A-7CC2D98835FF}"/>
+              </a:ext>
+            </a:extLst>
+          </p:cNvPr>
+          <p:cNvGrpSpPr/>
+          <p:nvPr/>
+        </p:nvGrpSpPr>
+        <p:grpSpPr>
+          <a:xfrm>
+            <a:off x="58455" y="200967"/>
+            <a:ext cx="10512575" cy="7429113"/>
+            <a:chOff x="58455" y="200967"/>
+            <a:chExt cx="10512575" cy="7429113"/>
+          </a:xfrm>
+        </p:grpSpPr>
+        <p:sp>
+          <p:nvSpPr>
+            <p:cNvPr id="45" name="Rectángulo 44">
+              <a:extLst>
+                <a:ext uri="{FF2B5EF4-FFF2-40B4-BE49-F238E27FC236}">
+                  <a16:creationId xmlns:a16="http://schemas.microsoft.com/office/drawing/2014/main" id="{A6795E3A-658A-428B-914A-D70C00C18D82}"/>
+                </a:ext>
+              </a:extLst>
+            </p:cNvPr>
+            <p:cNvSpPr/>
+            <p:nvPr/>
+          </p:nvSpPr>
+          <p:spPr>
+            <a:xfrm>
+              <a:off x="851030" y="202954"/>
+              <a:ext cx="9720000" cy="6480000"/>
+            </a:xfrm>
+            <a:prstGeom prst="rect">
+              <a:avLst/>
+            </a:prstGeom>
+            <a:solidFill>
+              <a:srgbClr val="408192"/>
+            </a:solidFill>
+            <a:ln>
+              <a:noFill/>
+            </a:ln>
+          </p:spPr>
+          <p:style>
+            <a:lnRef idx="2">
+              <a:schemeClr val="accent1">
+                <a:shade val="50000"/>
+              </a:schemeClr>
+            </a:lnRef>
+            <a:fillRef idx="1">
+              <a:schemeClr val="accent1"/>
+            </a:fillRef>
+            <a:effectRef idx="0">
+              <a:schemeClr val="accent1"/>
+            </a:effectRef>
+            <a:fontRef idx="minor">
+              <a:schemeClr val="lt1"/>
+            </a:fontRef>
+          </p:style>
+          <p:txBody>
+            <a:bodyPr rtlCol="0" anchor="ctr"/>
+            <a:lstStyle/>
+            <a:p>
+              <a:pPr algn="ctr"/>
+              <a:endParaRPr lang="es-CL"/>
+            </a:p>
+          </p:txBody>
+        </p:sp>
+        <p:sp>
+          <p:nvSpPr>
+            <p:cNvPr id="7" name="Elipse 6">
+              <a:extLst>
+                <a:ext uri="{FF2B5EF4-FFF2-40B4-BE49-F238E27FC236}">
+                  <a16:creationId xmlns:a16="http://schemas.microsoft.com/office/drawing/2014/main" id="{694BF872-FBE1-401F-8058-1904338E2AB2}"/>
+                </a:ext>
+              </a:extLst>
+            </p:cNvPr>
+            <p:cNvSpPr>
+              <a:spLocks noChangeAspect="1"/>
+            </p:cNvSpPr>
+            <p:nvPr/>
+          </p:nvSpPr>
+          <p:spPr>
+            <a:xfrm>
+              <a:off x="5711030" y="200967"/>
+              <a:ext cx="4032000" cy="4032000"/>
+            </a:xfrm>
+            <a:prstGeom prst="ellipse">
+              <a:avLst/>
+            </a:prstGeom>
+            <a:solidFill>
+              <a:srgbClr val="903C4D"/>
+            </a:solidFill>
+            <a:ln>
+              <a:noFill/>
+            </a:ln>
+          </p:spPr>
+          <p:style>
+            <a:lnRef idx="2">
+              <a:schemeClr val="accent1">
+                <a:shade val="50000"/>
+              </a:schemeClr>
+            </a:lnRef>
+            <a:fillRef idx="1">
+              <a:schemeClr val="accent1"/>
+            </a:fillRef>
+            <a:effectRef idx="0">
+              <a:schemeClr val="accent1"/>
+            </a:effectRef>
+            <a:fontRef idx="minor">
+              <a:schemeClr val="lt1"/>
+            </a:fontRef>
+          </p:style>
+          <p:txBody>
+            <a:bodyPr rtlCol="0" anchor="ctr"/>
+            <a:lstStyle/>
+            <a:p>
+              <a:pPr algn="ctr"/>
+              <a:endParaRPr lang="es-CL"/>
+            </a:p>
+          </p:txBody>
+        </p:sp>
+        <p:sp>
+          <p:nvSpPr>
+            <p:cNvPr id="6" name="Elipse 5">
+              <a:extLst>
+                <a:ext uri="{FF2B5EF4-FFF2-40B4-BE49-F238E27FC236}">
+                  <a16:creationId xmlns:a16="http://schemas.microsoft.com/office/drawing/2014/main" id="{D5E9C60D-C4B1-4869-BE9A-C3CFEDE4A1F4}"/>
+                </a:ext>
+              </a:extLst>
+            </p:cNvPr>
+            <p:cNvSpPr>
+              <a:spLocks noChangeAspect="1"/>
+            </p:cNvSpPr>
+            <p:nvPr/>
+          </p:nvSpPr>
+          <p:spPr>
+            <a:xfrm>
+              <a:off x="6215030" y="704967"/>
+              <a:ext cx="3024000" cy="3024000"/>
+            </a:xfrm>
+            <a:prstGeom prst="ellipse">
+              <a:avLst/>
+            </a:prstGeom>
+            <a:solidFill>
+              <a:srgbClr val="BF6D3A"/>
+            </a:solidFill>
+            <a:ln>
+              <a:noFill/>
+            </a:ln>
+          </p:spPr>
+          <p:style>
+            <a:lnRef idx="2">
+              <a:schemeClr val="accent1">
+                <a:shade val="50000"/>
+              </a:schemeClr>
+            </a:lnRef>
+            <a:fillRef idx="1">
+              <a:schemeClr val="accent1"/>
+            </a:fillRef>
+            <a:effectRef idx="0">
+              <a:schemeClr val="accent1"/>
+            </a:effectRef>
+            <a:fontRef idx="minor">
+              <a:schemeClr val="lt1"/>
+            </a:fontRef>
+          </p:style>
+          <p:txBody>
+            <a:bodyPr rtlCol="0" anchor="ctr"/>
+            <a:lstStyle/>
+            <a:p>
+              <a:pPr algn="ctr"/>
+              <a:endParaRPr lang="es-CL"/>
+            </a:p>
+          </p:txBody>
+        </p:sp>
+        <p:sp>
+          <p:nvSpPr>
+            <p:cNvPr id="5" name="Elipse 4">
+              <a:extLst>
+                <a:ext uri="{FF2B5EF4-FFF2-40B4-BE49-F238E27FC236}">
+                  <a16:creationId xmlns:a16="http://schemas.microsoft.com/office/drawing/2014/main" id="{CF176C28-1BAA-469A-960A-09EA99426191}"/>
+                </a:ext>
+              </a:extLst>
+            </p:cNvPr>
+            <p:cNvSpPr>
+              <a:spLocks noChangeAspect="1"/>
+            </p:cNvSpPr>
+            <p:nvPr/>
+          </p:nvSpPr>
+          <p:spPr>
+            <a:xfrm>
+              <a:off x="6719030" y="1208967"/>
+              <a:ext cx="2016000" cy="2016000"/>
+            </a:xfrm>
+            <a:prstGeom prst="ellipse">
+              <a:avLst/>
+            </a:prstGeom>
+            <a:solidFill>
+              <a:srgbClr val="C9873B"/>
+            </a:solidFill>
+            <a:ln>
+              <a:noFill/>
+            </a:ln>
+          </p:spPr>
+          <p:style>
+            <a:lnRef idx="2">
+              <a:schemeClr val="accent1">
+                <a:shade val="50000"/>
+              </a:schemeClr>
+            </a:lnRef>
+            <a:fillRef idx="1">
+              <a:schemeClr val="accent1"/>
+            </a:fillRef>
+            <a:effectRef idx="0">
+              <a:schemeClr val="accent1"/>
+            </a:effectRef>
+            <a:fontRef idx="minor">
+              <a:schemeClr val="lt1"/>
+            </a:fontRef>
+          </p:style>
+          <p:txBody>
+            <a:bodyPr rtlCol="0" anchor="ctr"/>
+            <a:lstStyle/>
+            <a:p>
+              <a:pPr algn="ctr"/>
+              <a:endParaRPr lang="es-CL"/>
+            </a:p>
+          </p:txBody>
+        </p:sp>
+        <p:sp>
+          <p:nvSpPr>
+            <p:cNvPr id="4" name="Elipse 3">
+              <a:extLst>
+                <a:ext uri="{FF2B5EF4-FFF2-40B4-BE49-F238E27FC236}">
+                  <a16:creationId xmlns:a16="http://schemas.microsoft.com/office/drawing/2014/main" id="{66DD02E7-CF88-40E2-8750-93F0BAEEF410}"/>
+                </a:ext>
+              </a:extLst>
+            </p:cNvPr>
+            <p:cNvSpPr/>
+            <p:nvPr/>
+          </p:nvSpPr>
+          <p:spPr>
+            <a:xfrm>
+              <a:off x="7223030" y="1712967"/>
+              <a:ext cx="1008000" cy="1008000"/>
+            </a:xfrm>
+            <a:prstGeom prst="ellipse">
+              <a:avLst/>
+            </a:prstGeom>
+            <a:solidFill>
+              <a:srgbClr val="B89235"/>
+            </a:solidFill>
+            <a:ln>
+              <a:noFill/>
+            </a:ln>
+          </p:spPr>
+          <p:style>
+            <a:lnRef idx="2">
+              <a:schemeClr val="accent1">
+                <a:shade val="50000"/>
+              </a:schemeClr>
+            </a:lnRef>
+            <a:fillRef idx="1">
+              <a:schemeClr val="accent1"/>
+            </a:fillRef>
+            <a:effectRef idx="0">
+              <a:schemeClr val="accent1"/>
+            </a:effectRef>
+            <a:fontRef idx="minor">
+              <a:schemeClr val="lt1"/>
+            </a:fontRef>
+          </p:style>
+          <p:txBody>
+            <a:bodyPr rtlCol="0" anchor="ctr"/>
+            <a:lstStyle/>
+            <a:p>
+              <a:pPr algn="ctr"/>
+              <a:endParaRPr lang="es-CL"/>
+            </a:p>
+          </p:txBody>
+        </p:sp>
+        <p:sp>
+          <p:nvSpPr>
+            <p:cNvPr id="9" name="Rectángulo 8">
+              <a:extLst>
+                <a:ext uri="{FF2B5EF4-FFF2-40B4-BE49-F238E27FC236}">
+                  <a16:creationId xmlns:a16="http://schemas.microsoft.com/office/drawing/2014/main" id="{D2084C34-D897-4491-A04C-78EEAA0B63F2}"/>
+                </a:ext>
+              </a:extLst>
+            </p:cNvPr>
+            <p:cNvSpPr/>
+            <p:nvPr/>
+          </p:nvSpPr>
+          <p:spPr>
+            <a:xfrm>
+              <a:off x="7727030" y="2216967"/>
+              <a:ext cx="2016000" cy="4465987"/>
+            </a:xfrm>
+            <a:prstGeom prst="rect">
+              <a:avLst/>
+            </a:prstGeom>
+            <a:solidFill>
+              <a:srgbClr val="B89235"/>
+            </a:solidFill>
+            <a:ln>
+              <a:noFill/>
+            </a:ln>
+          </p:spPr>
+          <p:style>
+            <a:lnRef idx="2">
+              <a:schemeClr val="accent1">
+                <a:shade val="50000"/>
+              </a:schemeClr>
+            </a:lnRef>
+            <a:fillRef idx="1">
+              <a:schemeClr val="accent1"/>
+            </a:fillRef>
+            <a:effectRef idx="0">
+              <a:schemeClr val="accent1"/>
+            </a:effectRef>
+            <a:fontRef idx="minor">
+              <a:schemeClr val="lt1"/>
+            </a:fontRef>
+          </p:style>
+          <p:txBody>
+            <a:bodyPr rtlCol="0" anchor="ctr"/>
+            <a:lstStyle/>
+            <a:p>
+              <a:pPr algn="ctr"/>
+              <a:endParaRPr lang="es-CL"/>
+            </a:p>
+          </p:txBody>
+        </p:sp>
+        <p:sp>
+          <p:nvSpPr>
+            <p:cNvPr id="10" name="Rectángulo 9">
+              <a:extLst>
+                <a:ext uri="{FF2B5EF4-FFF2-40B4-BE49-F238E27FC236}">
+                  <a16:creationId xmlns:a16="http://schemas.microsoft.com/office/drawing/2014/main" id="{E6B88733-7460-4D7C-B899-22F6079BEE17}"/>
+                </a:ext>
+              </a:extLst>
+            </p:cNvPr>
+            <p:cNvSpPr/>
+            <p:nvPr/>
+          </p:nvSpPr>
+          <p:spPr>
+            <a:xfrm>
+              <a:off x="8231030" y="2216967"/>
+              <a:ext cx="1512000" cy="4465987"/>
+            </a:xfrm>
+            <a:prstGeom prst="rect">
+              <a:avLst/>
+            </a:prstGeom>
+            <a:solidFill>
+              <a:srgbClr val="C7883B"/>
+            </a:solidFill>
+            <a:ln>
+              <a:noFill/>
+            </a:ln>
+          </p:spPr>
+          <p:style>
+            <a:lnRef idx="2">
+              <a:schemeClr val="accent1">
+                <a:shade val="50000"/>
+              </a:schemeClr>
+            </a:lnRef>
+            <a:fillRef idx="1">
+              <a:schemeClr val="accent1"/>
+            </a:fillRef>
+            <a:effectRef idx="0">
+              <a:schemeClr val="accent1"/>
+            </a:effectRef>
+            <a:fontRef idx="minor">
+              <a:schemeClr val="lt1"/>
+            </a:fontRef>
+          </p:style>
+          <p:txBody>
+            <a:bodyPr rtlCol="0" anchor="ctr"/>
+            <a:lstStyle/>
+            <a:p>
+              <a:pPr algn="ctr"/>
+              <a:endParaRPr lang="es-CL"/>
+            </a:p>
+          </p:txBody>
+        </p:sp>
+        <p:sp>
+          <p:nvSpPr>
+            <p:cNvPr id="12" name="Rectángulo 11">
+              <a:extLst>
+                <a:ext uri="{FF2B5EF4-FFF2-40B4-BE49-F238E27FC236}">
+                  <a16:creationId xmlns:a16="http://schemas.microsoft.com/office/drawing/2014/main" id="{2F5B5493-C630-4424-A390-0F453243FDA6}"/>
+                </a:ext>
+              </a:extLst>
+            </p:cNvPr>
+            <p:cNvSpPr/>
+            <p:nvPr/>
+          </p:nvSpPr>
+          <p:spPr>
+            <a:xfrm>
+              <a:off x="8735030" y="2216967"/>
+              <a:ext cx="1008000" cy="4465987"/>
+            </a:xfrm>
+            <a:prstGeom prst="rect">
+              <a:avLst/>
+            </a:prstGeom>
+            <a:solidFill>
+              <a:srgbClr val="BF6D3A"/>
+            </a:solidFill>
+            <a:ln>
+              <a:noFill/>
+            </a:ln>
+          </p:spPr>
+          <p:style>
+            <a:lnRef idx="2">
+              <a:schemeClr val="accent1">
+                <a:shade val="50000"/>
+              </a:schemeClr>
+            </a:lnRef>
+            <a:fillRef idx="1">
+              <a:schemeClr val="accent1"/>
+            </a:fillRef>
+            <a:effectRef idx="0">
+              <a:schemeClr val="accent1"/>
+            </a:effectRef>
+            <a:fontRef idx="minor">
+              <a:schemeClr val="lt1"/>
+            </a:fontRef>
+          </p:style>
+          <p:txBody>
+            <a:bodyPr rtlCol="0" anchor="ctr"/>
+            <a:lstStyle/>
+            <a:p>
+              <a:pPr algn="ctr"/>
+              <a:endParaRPr lang="es-CL"/>
+            </a:p>
+          </p:txBody>
+        </p:sp>
+        <p:sp>
+          <p:nvSpPr>
+            <p:cNvPr id="13" name="Rectángulo 12">
+              <a:extLst>
+                <a:ext uri="{FF2B5EF4-FFF2-40B4-BE49-F238E27FC236}">
+                  <a16:creationId xmlns:a16="http://schemas.microsoft.com/office/drawing/2014/main" id="{5490F181-68CE-419F-BA7F-B528C95C07EF}"/>
+                </a:ext>
+              </a:extLst>
+            </p:cNvPr>
+            <p:cNvSpPr/>
+            <p:nvPr/>
+          </p:nvSpPr>
+          <p:spPr>
+            <a:xfrm>
+              <a:off x="9239030" y="2216967"/>
+              <a:ext cx="504000" cy="4465987"/>
+            </a:xfrm>
+            <a:prstGeom prst="rect">
+              <a:avLst/>
+            </a:prstGeom>
+            <a:solidFill>
+              <a:srgbClr val="903C4D"/>
+            </a:solidFill>
+            <a:ln>
+              <a:noFill/>
+            </a:ln>
+          </p:spPr>
+          <p:style>
+            <a:lnRef idx="2">
+              <a:schemeClr val="accent1">
+                <a:shade val="50000"/>
+              </a:schemeClr>
+            </a:lnRef>
+            <a:fillRef idx="1">
+              <a:schemeClr val="accent1"/>
+            </a:fillRef>
+            <a:effectRef idx="0">
+              <a:schemeClr val="accent1"/>
+            </a:effectRef>
+            <a:fontRef idx="minor">
+              <a:schemeClr val="lt1"/>
+            </a:fontRef>
+          </p:style>
+          <p:txBody>
+            <a:bodyPr rtlCol="0" anchor="ctr"/>
+            <a:lstStyle/>
+            <a:p>
+              <a:pPr algn="ctr"/>
+              <a:endParaRPr lang="es-CL"/>
+            </a:p>
+          </p:txBody>
+        </p:sp>
+        <p:sp>
+          <p:nvSpPr>
+            <p:cNvPr id="29" name="Elipse 28">
+              <a:extLst>
+                <a:ext uri="{FF2B5EF4-FFF2-40B4-BE49-F238E27FC236}">
+                  <a16:creationId xmlns:a16="http://schemas.microsoft.com/office/drawing/2014/main" id="{E384FD44-5C4F-44CC-A586-9802DB9152C0}"/>
+                </a:ext>
+              </a:extLst>
+            </p:cNvPr>
+            <p:cNvSpPr/>
+            <p:nvPr/>
+          </p:nvSpPr>
+          <p:spPr>
+            <a:xfrm>
+              <a:off x="5393943" y="5041751"/>
+              <a:ext cx="2430057" cy="1728000"/>
+            </a:xfrm>
+            <a:prstGeom prst="ellipse">
+              <a:avLst/>
+            </a:prstGeom>
+            <a:solidFill>
+              <a:srgbClr val="99918B"/>
+            </a:solidFill>
+            <a:ln>
+              <a:noFill/>
+            </a:ln>
+          </p:spPr>
+          <p:style>
+            <a:lnRef idx="2">
+              <a:schemeClr val="accent1">
+                <a:shade val="50000"/>
+              </a:schemeClr>
+            </a:lnRef>
+            <a:fillRef idx="1">
+              <a:schemeClr val="accent1"/>
+            </a:fillRef>
+            <a:effectRef idx="0">
+              <a:schemeClr val="accent1"/>
+            </a:effectRef>
+            <a:fontRef idx="minor">
+              <a:schemeClr val="lt1"/>
+            </a:fontRef>
+          </p:style>
+          <p:txBody>
+            <a:bodyPr rtlCol="0" anchor="ctr"/>
+            <a:lstStyle/>
+            <a:p>
+              <a:pPr algn="ctr"/>
+              <a:endParaRPr lang="es-CL"/>
+            </a:p>
+          </p:txBody>
+        </p:sp>
+        <p:sp>
+          <p:nvSpPr>
+            <p:cNvPr id="23" name="Diagrama de flujo: proceso alternativo 22">
+              <a:extLst>
+                <a:ext uri="{FF2B5EF4-FFF2-40B4-BE49-F238E27FC236}">
+                  <a16:creationId xmlns:a16="http://schemas.microsoft.com/office/drawing/2014/main" id="{2E44E830-D3A5-46F9-8582-B134B0AA1350}"/>
+                </a:ext>
+              </a:extLst>
+            </p:cNvPr>
+            <p:cNvSpPr/>
+            <p:nvPr/>
+          </p:nvSpPr>
+          <p:spPr>
+            <a:xfrm rot="801019">
+              <a:off x="2440128" y="3227843"/>
+              <a:ext cx="4240622" cy="4402237"/>
+            </a:xfrm>
+            <a:prstGeom prst="flowChartAlternateProcess">
+              <a:avLst/>
+            </a:prstGeom>
+            <a:solidFill>
+              <a:srgbClr val="B0AAA5"/>
+            </a:solidFill>
+            <a:ln>
+              <a:noFill/>
+            </a:ln>
+          </p:spPr>
+          <p:style>
+            <a:lnRef idx="2">
+              <a:schemeClr val="accent1">
+                <a:shade val="50000"/>
+              </a:schemeClr>
+            </a:lnRef>
+            <a:fillRef idx="1">
+              <a:schemeClr val="accent1"/>
+            </a:fillRef>
+            <a:effectRef idx="0">
+              <a:schemeClr val="accent1"/>
+            </a:effectRef>
+            <a:fontRef idx="minor">
+              <a:schemeClr val="lt1"/>
+            </a:fontRef>
+          </p:style>
+          <p:txBody>
+            <a:bodyPr rtlCol="0" anchor="ctr"/>
+            <a:lstStyle/>
+            <a:p>
+              <a:pPr algn="ctr"/>
+              <a:endParaRPr lang="es-CL"/>
+            </a:p>
+          </p:txBody>
+        </p:sp>
+        <p:sp>
+          <p:nvSpPr>
+            <p:cNvPr id="28" name="Elipse 27">
+              <a:extLst>
+                <a:ext uri="{FF2B5EF4-FFF2-40B4-BE49-F238E27FC236}">
+                  <a16:creationId xmlns:a16="http://schemas.microsoft.com/office/drawing/2014/main" id="{6917971C-4C73-45D8-A03B-EF23A4564926}"/>
+                </a:ext>
+              </a:extLst>
+            </p:cNvPr>
+            <p:cNvSpPr/>
+            <p:nvPr/>
+          </p:nvSpPr>
+          <p:spPr>
+            <a:xfrm rot="731699">
+              <a:off x="1771596" y="3388457"/>
+              <a:ext cx="1728000" cy="2429654"/>
+            </a:xfrm>
+            <a:prstGeom prst="ellipse">
+              <a:avLst/>
+            </a:prstGeom>
+            <a:solidFill>
+              <a:srgbClr val="99918B"/>
+            </a:solidFill>
+            <a:ln>
+              <a:noFill/>
+            </a:ln>
+          </p:spPr>
+          <p:style>
+            <a:lnRef idx="2">
+              <a:schemeClr val="accent1">
+                <a:shade val="50000"/>
+              </a:schemeClr>
+            </a:lnRef>
+            <a:fillRef idx="1">
+              <a:schemeClr val="accent1"/>
+            </a:fillRef>
+            <a:effectRef idx="0">
+              <a:schemeClr val="accent1"/>
+            </a:effectRef>
+            <a:fontRef idx="minor">
+              <a:schemeClr val="lt1"/>
+            </a:fontRef>
+          </p:style>
+          <p:txBody>
+            <a:bodyPr rtlCol="0" anchor="ctr"/>
+            <a:lstStyle/>
+            <a:p>
+              <a:pPr algn="ctr"/>
+              <a:endParaRPr lang="es-CL"/>
+            </a:p>
+          </p:txBody>
+        </p:sp>
+        <p:sp>
+          <p:nvSpPr>
+            <p:cNvPr id="30" name="Elipse 29">
+              <a:extLst>
+                <a:ext uri="{FF2B5EF4-FFF2-40B4-BE49-F238E27FC236}">
+                  <a16:creationId xmlns:a16="http://schemas.microsoft.com/office/drawing/2014/main" id="{51227EED-55EF-456C-B248-4CCBF8B880DD}"/>
+                </a:ext>
+              </a:extLst>
+            </p:cNvPr>
+            <p:cNvSpPr/>
+            <p:nvPr/>
+          </p:nvSpPr>
+          <p:spPr>
+            <a:xfrm>
+              <a:off x="7223029" y="4733500"/>
+              <a:ext cx="1308485" cy="1552010"/>
+            </a:xfrm>
+            <a:prstGeom prst="ellipse">
+              <a:avLst/>
+            </a:prstGeom>
+            <a:solidFill>
+              <a:srgbClr val="CAA18C"/>
+            </a:solidFill>
+            <a:ln>
+              <a:noFill/>
+            </a:ln>
+          </p:spPr>
+          <p:style>
+            <a:lnRef idx="2">
+              <a:schemeClr val="accent1">
+                <a:shade val="50000"/>
+              </a:schemeClr>
+            </a:lnRef>
+            <a:fillRef idx="1">
+              <a:schemeClr val="accent1"/>
+            </a:fillRef>
+            <a:effectRef idx="0">
+              <a:schemeClr val="accent1"/>
+            </a:effectRef>
+            <a:fontRef idx="minor">
+              <a:schemeClr val="lt1"/>
+            </a:fontRef>
+          </p:style>
+          <p:txBody>
+            <a:bodyPr rtlCol="0" anchor="ctr"/>
+            <a:lstStyle/>
+            <a:p>
+              <a:pPr algn="ctr"/>
+              <a:endParaRPr lang="es-CL" dirty="0"/>
+            </a:p>
+          </p:txBody>
+        </p:sp>
+        <p:sp>
+          <p:nvSpPr>
+            <p:cNvPr id="31" name="Elipse 30">
+              <a:extLst>
+                <a:ext uri="{FF2B5EF4-FFF2-40B4-BE49-F238E27FC236}">
+                  <a16:creationId xmlns:a16="http://schemas.microsoft.com/office/drawing/2014/main" id="{1CE2A773-1961-4A22-AC65-835A747AF295}"/>
+                </a:ext>
+              </a:extLst>
+            </p:cNvPr>
+            <p:cNvSpPr/>
+            <p:nvPr/>
+          </p:nvSpPr>
+          <p:spPr>
+            <a:xfrm rot="370613">
+              <a:off x="2338331" y="4587686"/>
+              <a:ext cx="4118715" cy="1176440"/>
+            </a:xfrm>
+            <a:prstGeom prst="ellipse">
+              <a:avLst/>
+            </a:prstGeom>
+            <a:solidFill>
+              <a:srgbClr val="CAA18C"/>
+            </a:solidFill>
+            <a:ln>
+              <a:noFill/>
+            </a:ln>
+          </p:spPr>
+          <p:style>
+            <a:lnRef idx="2">
+              <a:schemeClr val="accent1">
+                <a:shade val="50000"/>
+              </a:schemeClr>
+            </a:lnRef>
+            <a:fillRef idx="1">
+              <a:schemeClr val="accent1"/>
+            </a:fillRef>
+            <a:effectRef idx="0">
+              <a:schemeClr val="accent1"/>
+            </a:effectRef>
+            <a:fontRef idx="minor">
+              <a:schemeClr val="lt1"/>
+            </a:fontRef>
+          </p:style>
+          <p:txBody>
+            <a:bodyPr rtlCol="0" anchor="ctr"/>
+            <a:lstStyle/>
+            <a:p>
+              <a:pPr algn="ctr"/>
+              <a:endParaRPr lang="es-CL" dirty="0"/>
+            </a:p>
+          </p:txBody>
+        </p:sp>
+        <p:sp>
+          <p:nvSpPr>
+            <p:cNvPr id="32" name="Elipse 31">
+              <a:extLst>
+                <a:ext uri="{FF2B5EF4-FFF2-40B4-BE49-F238E27FC236}">
+                  <a16:creationId xmlns:a16="http://schemas.microsoft.com/office/drawing/2014/main" id="{E209FD6D-6179-40DD-8ED6-D54E0A70DEC9}"/>
+                </a:ext>
+              </a:extLst>
+            </p:cNvPr>
+            <p:cNvSpPr/>
+            <p:nvPr/>
+          </p:nvSpPr>
+          <p:spPr>
+            <a:xfrm rot="1049454">
+              <a:off x="4366666" y="816797"/>
+              <a:ext cx="1897966" cy="2999968"/>
+            </a:xfrm>
+            <a:prstGeom prst="ellipse">
+              <a:avLst/>
+            </a:prstGeom>
+            <a:solidFill>
+              <a:srgbClr val="CAA18C"/>
+            </a:solidFill>
+            <a:ln>
+              <a:noFill/>
+            </a:ln>
+          </p:spPr>
+          <p:style>
+            <a:lnRef idx="2">
+              <a:schemeClr val="accent1">
+                <a:shade val="50000"/>
+              </a:schemeClr>
+            </a:lnRef>
+            <a:fillRef idx="1">
+              <a:schemeClr val="accent1"/>
+            </a:fillRef>
+            <a:effectRef idx="0">
+              <a:schemeClr val="accent1"/>
+            </a:effectRef>
+            <a:fontRef idx="minor">
+              <a:schemeClr val="lt1"/>
+            </a:fontRef>
+          </p:style>
+          <p:txBody>
+            <a:bodyPr rtlCol="0" anchor="ctr"/>
+            <a:lstStyle/>
+            <a:p>
+              <a:pPr algn="ctr"/>
+              <a:endParaRPr lang="es-CL"/>
+            </a:p>
+          </p:txBody>
+        </p:sp>
+        <p:sp>
+          <p:nvSpPr>
+            <p:cNvPr id="49" name="Elipse 48">
+              <a:extLst>
+                <a:ext uri="{FF2B5EF4-FFF2-40B4-BE49-F238E27FC236}">
+                  <a16:creationId xmlns:a16="http://schemas.microsoft.com/office/drawing/2014/main" id="{8F09540C-CD83-4C56-8B0A-FA9838401201}"/>
+                </a:ext>
+              </a:extLst>
+            </p:cNvPr>
+            <p:cNvSpPr/>
+            <p:nvPr/>
+          </p:nvSpPr>
+          <p:spPr>
+            <a:xfrm rot="20925861">
+              <a:off x="5855124" y="1207875"/>
+              <a:ext cx="512256" cy="1083079"/>
+            </a:xfrm>
+            <a:prstGeom prst="ellipse">
+              <a:avLst/>
+            </a:prstGeom>
+            <a:solidFill>
+              <a:srgbClr val="CAA18C"/>
+            </a:solidFill>
+            <a:ln>
+              <a:noFill/>
+            </a:ln>
+          </p:spPr>
+          <p:style>
+            <a:lnRef idx="2">
+              <a:schemeClr val="accent1">
+                <a:shade val="50000"/>
+              </a:schemeClr>
+            </a:lnRef>
+            <a:fillRef idx="1">
+              <a:schemeClr val="accent1"/>
+            </a:fillRef>
+            <a:effectRef idx="0">
+              <a:schemeClr val="accent1"/>
+            </a:effectRef>
+            <a:fontRef idx="minor">
+              <a:schemeClr val="lt1"/>
+            </a:fontRef>
+          </p:style>
+          <p:txBody>
+            <a:bodyPr rtlCol="0" anchor="ctr"/>
+            <a:lstStyle/>
+            <a:p>
+              <a:pPr algn="ctr"/>
+              <a:endParaRPr lang="es-CL"/>
+            </a:p>
+          </p:txBody>
+        </p:sp>
+        <p:sp>
+          <p:nvSpPr>
+            <p:cNvPr id="34" name="Luna 33">
+              <a:extLst>
+                <a:ext uri="{FF2B5EF4-FFF2-40B4-BE49-F238E27FC236}">
+                  <a16:creationId xmlns:a16="http://schemas.microsoft.com/office/drawing/2014/main" id="{D9CAF59C-88C1-45E4-9026-68402F69D0E9}"/>
+                </a:ext>
+              </a:extLst>
+            </p:cNvPr>
+            <p:cNvSpPr/>
+            <p:nvPr/>
+          </p:nvSpPr>
+          <p:spPr>
+            <a:xfrm rot="5400000">
+              <a:off x="4557263" y="348010"/>
+              <a:ext cx="1892980" cy="2389970"/>
+            </a:xfrm>
+            <a:custGeom>
+              <a:avLst/>
+              <a:gdLst>
+                <a:gd name="connsiteX0" fmla="*/ 2092768 w 2092768"/>
+                <a:gd name="connsiteY0" fmla="*/ 2389916 h 2389916"/>
+                <a:gd name="connsiteX1" fmla="*/ 0 w 2092768"/>
+                <a:gd name="connsiteY1" fmla="*/ 1194958 h 2389916"/>
+                <a:gd name="connsiteX2" fmla="*/ 2092768 w 2092768"/>
+                <a:gd name="connsiteY2" fmla="*/ 0 h 2389916"/>
+                <a:gd name="connsiteX3" fmla="*/ 2092769 w 2092768"/>
+                <a:gd name="connsiteY3" fmla="*/ 2389916 h 2389916"/>
+                <a:gd name="connsiteX4" fmla="*/ 2092768 w 2092768"/>
+                <a:gd name="connsiteY4" fmla="*/ 2389916 h 2389916"/>
+                <a:gd name="connsiteX0" fmla="*/ 2092878 w 2164315"/>
+                <a:gd name="connsiteY0" fmla="*/ 1961291 h 1961291"/>
+                <a:gd name="connsiteX1" fmla="*/ 110 w 2164315"/>
+                <a:gd name="connsiteY1" fmla="*/ 766333 h 1961291"/>
+                <a:gd name="connsiteX2" fmla="*/ 2164315 w 2164315"/>
+                <a:gd name="connsiteY2" fmla="*/ 0 h 1961291"/>
+                <a:gd name="connsiteX3" fmla="*/ 2092879 w 2164315"/>
+                <a:gd name="connsiteY3" fmla="*/ 1961291 h 1961291"/>
+                <a:gd name="connsiteX4" fmla="*/ 2092878 w 2164315"/>
+                <a:gd name="connsiteY4" fmla="*/ 1961291 h 1961291"/>
+                <a:gd name="connsiteX0" fmla="*/ 2092878 w 2164315"/>
+                <a:gd name="connsiteY0" fmla="*/ 1961291 h 1961291"/>
+                <a:gd name="connsiteX1" fmla="*/ 110 w 2164315"/>
+                <a:gd name="connsiteY1" fmla="*/ 766333 h 1961291"/>
+                <a:gd name="connsiteX2" fmla="*/ 2164315 w 2164315"/>
+                <a:gd name="connsiteY2" fmla="*/ 0 h 1961291"/>
+                <a:gd name="connsiteX3" fmla="*/ 2092879 w 2164315"/>
+                <a:gd name="connsiteY3" fmla="*/ 1961291 h 1961291"/>
+                <a:gd name="connsiteX4" fmla="*/ 2092878 w 2164315"/>
+                <a:gd name="connsiteY4" fmla="*/ 1961291 h 1961291"/>
+                <a:gd name="connsiteX0" fmla="*/ 2092878 w 2164315"/>
+                <a:gd name="connsiteY0" fmla="*/ 2138666 h 2138666"/>
+                <a:gd name="connsiteX1" fmla="*/ 110 w 2164315"/>
+                <a:gd name="connsiteY1" fmla="*/ 943708 h 2138666"/>
+                <a:gd name="connsiteX2" fmla="*/ 2164315 w 2164315"/>
+                <a:gd name="connsiteY2" fmla="*/ 177375 h 2138666"/>
+                <a:gd name="connsiteX3" fmla="*/ 2092879 w 2164315"/>
+                <a:gd name="connsiteY3" fmla="*/ 2138666 h 2138666"/>
+                <a:gd name="connsiteX4" fmla="*/ 2092878 w 2164315"/>
+                <a:gd name="connsiteY4" fmla="*/ 2138666 h 2138666"/>
+                <a:gd name="connsiteX0" fmla="*/ 1764323 w 1835760"/>
+                <a:gd name="connsiteY0" fmla="*/ 2136987 h 2136987"/>
+                <a:gd name="connsiteX1" fmla="*/ 169 w 1835760"/>
+                <a:gd name="connsiteY1" fmla="*/ 956317 h 2136987"/>
+                <a:gd name="connsiteX2" fmla="*/ 1835760 w 1835760"/>
+                <a:gd name="connsiteY2" fmla="*/ 175696 h 2136987"/>
+                <a:gd name="connsiteX3" fmla="*/ 1764324 w 1835760"/>
+                <a:gd name="connsiteY3" fmla="*/ 2136987 h 2136987"/>
+                <a:gd name="connsiteX4" fmla="*/ 1764323 w 1835760"/>
+                <a:gd name="connsiteY4" fmla="*/ 2136987 h 2136987"/>
+                <a:gd name="connsiteX0" fmla="*/ 1768970 w 1840407"/>
+                <a:gd name="connsiteY0" fmla="*/ 2181187 h 2181187"/>
+                <a:gd name="connsiteX1" fmla="*/ 4816 w 1840407"/>
+                <a:gd name="connsiteY1" fmla="*/ 1000517 h 2181187"/>
+                <a:gd name="connsiteX2" fmla="*/ 1840407 w 1840407"/>
+                <a:gd name="connsiteY2" fmla="*/ 219896 h 2181187"/>
+                <a:gd name="connsiteX3" fmla="*/ 1768971 w 1840407"/>
+                <a:gd name="connsiteY3" fmla="*/ 2181187 h 2181187"/>
+                <a:gd name="connsiteX4" fmla="*/ 1768970 w 1840407"/>
+                <a:gd name="connsiteY4" fmla="*/ 2181187 h 2181187"/>
+                <a:gd name="connsiteX0" fmla="*/ 1772853 w 1772854"/>
+                <a:gd name="connsiteY0" fmla="*/ 2136987 h 2136987"/>
+                <a:gd name="connsiteX1" fmla="*/ 8699 w 1772854"/>
+                <a:gd name="connsiteY1" fmla="*/ 956317 h 2136987"/>
+                <a:gd name="connsiteX2" fmla="*/ 1372802 w 1772854"/>
+                <a:gd name="connsiteY2" fmla="*/ 175696 h 2136987"/>
+                <a:gd name="connsiteX3" fmla="*/ 1772854 w 1772854"/>
+                <a:gd name="connsiteY3" fmla="*/ 2136987 h 2136987"/>
+                <a:gd name="connsiteX4" fmla="*/ 1772853 w 1772854"/>
+                <a:gd name="connsiteY4" fmla="*/ 2136987 h 2136987"/>
+                <a:gd name="connsiteX0" fmla="*/ 1770481 w 1770482"/>
+                <a:gd name="connsiteY0" fmla="*/ 2313243 h 2313243"/>
+                <a:gd name="connsiteX1" fmla="*/ 6327 w 1770482"/>
+                <a:gd name="connsiteY1" fmla="*/ 1132573 h 2313243"/>
+                <a:gd name="connsiteX2" fmla="*/ 1370430 w 1770482"/>
+                <a:gd name="connsiteY2" fmla="*/ 351952 h 2313243"/>
+                <a:gd name="connsiteX3" fmla="*/ 1770482 w 1770482"/>
+                <a:gd name="connsiteY3" fmla="*/ 2313243 h 2313243"/>
+                <a:gd name="connsiteX4" fmla="*/ 1770481 w 1770482"/>
+                <a:gd name="connsiteY4" fmla="*/ 2313243 h 2313243"/>
+                <a:gd name="connsiteX0" fmla="*/ 1770481 w 1770482"/>
+                <a:gd name="connsiteY0" fmla="*/ 2313243 h 2313243"/>
+                <a:gd name="connsiteX1" fmla="*/ 6327 w 1770482"/>
+                <a:gd name="connsiteY1" fmla="*/ 1132573 h 2313243"/>
+                <a:gd name="connsiteX2" fmla="*/ 1370430 w 1770482"/>
+                <a:gd name="connsiteY2" fmla="*/ 351952 h 2313243"/>
+                <a:gd name="connsiteX3" fmla="*/ 1770482 w 1770482"/>
+                <a:gd name="connsiteY3" fmla="*/ 2313243 h 2313243"/>
+                <a:gd name="connsiteX4" fmla="*/ 1770481 w 1770482"/>
+                <a:gd name="connsiteY4" fmla="*/ 2313243 h 2313243"/>
+                <a:gd name="connsiteX0" fmla="*/ 1770481 w 1770482"/>
+                <a:gd name="connsiteY0" fmla="*/ 2615813 h 2615813"/>
+                <a:gd name="connsiteX1" fmla="*/ 6327 w 1770482"/>
+                <a:gd name="connsiteY1" fmla="*/ 1435143 h 2615813"/>
+                <a:gd name="connsiteX2" fmla="*/ 1370433 w 1770482"/>
+                <a:gd name="connsiteY2" fmla="*/ 311622 h 2615813"/>
+                <a:gd name="connsiteX3" fmla="*/ 1770482 w 1770482"/>
+                <a:gd name="connsiteY3" fmla="*/ 2615813 h 2615813"/>
+                <a:gd name="connsiteX4" fmla="*/ 1770481 w 1770482"/>
+                <a:gd name="connsiteY4" fmla="*/ 2615813 h 2615813"/>
+                <a:gd name="connsiteX0" fmla="*/ 1768948 w 1768949"/>
+                <a:gd name="connsiteY0" fmla="*/ 2338068 h 2338068"/>
+                <a:gd name="connsiteX1" fmla="*/ 4794 w 1768949"/>
+                <a:gd name="connsiteY1" fmla="*/ 1157398 h 2338068"/>
+                <a:gd name="connsiteX2" fmla="*/ 1411765 w 1768949"/>
+                <a:gd name="connsiteY2" fmla="*/ 348202 h 2338068"/>
+                <a:gd name="connsiteX3" fmla="*/ 1768949 w 1768949"/>
+                <a:gd name="connsiteY3" fmla="*/ 2338068 h 2338068"/>
+                <a:gd name="connsiteX4" fmla="*/ 1768948 w 1768949"/>
+                <a:gd name="connsiteY4" fmla="*/ 2338068 h 2338068"/>
+                <a:gd name="connsiteX0" fmla="*/ 1771597 w 1771598"/>
+                <a:gd name="connsiteY0" fmla="*/ 2118771 h 2118771"/>
+                <a:gd name="connsiteX1" fmla="*/ 7443 w 1771598"/>
+                <a:gd name="connsiteY1" fmla="*/ 938101 h 2118771"/>
+                <a:gd name="connsiteX2" fmla="*/ 1414414 w 1771598"/>
+                <a:gd name="connsiteY2" fmla="*/ 128905 h 2118771"/>
+                <a:gd name="connsiteX3" fmla="*/ 1771598 w 1771598"/>
+                <a:gd name="connsiteY3" fmla="*/ 2118771 h 2118771"/>
+                <a:gd name="connsiteX4" fmla="*/ 1771597 w 1771598"/>
+                <a:gd name="connsiteY4" fmla="*/ 2118771 h 2118771"/>
+                <a:gd name="connsiteX0" fmla="*/ 1701769 w 1701770"/>
+                <a:gd name="connsiteY0" fmla="*/ 2094003 h 2094003"/>
+                <a:gd name="connsiteX1" fmla="*/ 9055 w 1701770"/>
+                <a:gd name="connsiteY1" fmla="*/ 1227658 h 2094003"/>
+                <a:gd name="connsiteX2" fmla="*/ 1344586 w 1701770"/>
+                <a:gd name="connsiteY2" fmla="*/ 104137 h 2094003"/>
+                <a:gd name="connsiteX3" fmla="*/ 1701770 w 1701770"/>
+                <a:gd name="connsiteY3" fmla="*/ 2094003 h 2094003"/>
+                <a:gd name="connsiteX4" fmla="*/ 1701769 w 1701770"/>
+                <a:gd name="connsiteY4" fmla="*/ 2094003 h 2094003"/>
+                <a:gd name="connsiteX0" fmla="*/ 1772743 w 1772744"/>
+                <a:gd name="connsiteY0" fmla="*/ 2158406 h 2168153"/>
+                <a:gd name="connsiteX1" fmla="*/ 80029 w 1772744"/>
+                <a:gd name="connsiteY1" fmla="*/ 1292061 h 2168153"/>
+                <a:gd name="connsiteX2" fmla="*/ 1415560 w 1772744"/>
+                <a:gd name="connsiteY2" fmla="*/ 168540 h 2168153"/>
+                <a:gd name="connsiteX3" fmla="*/ 1772744 w 1772744"/>
+                <a:gd name="connsiteY3" fmla="*/ 2158406 h 2168153"/>
+                <a:gd name="connsiteX4" fmla="*/ 1772743 w 1772744"/>
+                <a:gd name="connsiteY4" fmla="*/ 2158406 h 2168153"/>
+                <a:gd name="connsiteX0" fmla="*/ 1696163 w 1696164"/>
+                <a:gd name="connsiteY0" fmla="*/ 2107526 h 2107526"/>
+                <a:gd name="connsiteX1" fmla="*/ 3449 w 1696164"/>
+                <a:gd name="connsiteY1" fmla="*/ 1241181 h 2107526"/>
+                <a:gd name="connsiteX2" fmla="*/ 1453283 w 1696164"/>
+                <a:gd name="connsiteY2" fmla="*/ 103372 h 2107526"/>
+                <a:gd name="connsiteX3" fmla="*/ 1696164 w 1696164"/>
+                <a:gd name="connsiteY3" fmla="*/ 2107526 h 2107526"/>
+                <a:gd name="connsiteX4" fmla="*/ 1696163 w 1696164"/>
+                <a:gd name="connsiteY4" fmla="*/ 2107526 h 2107526"/>
+                <a:gd name="connsiteX0" fmla="*/ 1704608 w 1704609"/>
+                <a:gd name="connsiteY0" fmla="*/ 2269219 h 2269219"/>
+                <a:gd name="connsiteX1" fmla="*/ 11894 w 1704609"/>
+                <a:gd name="connsiteY1" fmla="*/ 1402874 h 2269219"/>
+                <a:gd name="connsiteX2" fmla="*/ 1461728 w 1704609"/>
+                <a:gd name="connsiteY2" fmla="*/ 265065 h 2269219"/>
+                <a:gd name="connsiteX3" fmla="*/ 1704609 w 1704609"/>
+                <a:gd name="connsiteY3" fmla="*/ 2269219 h 2269219"/>
+                <a:gd name="connsiteX4" fmla="*/ 1704608 w 1704609"/>
+                <a:gd name="connsiteY4" fmla="*/ 2269219 h 2269219"/>
+                <a:gd name="connsiteX0" fmla="*/ 1704608 w 1704609"/>
+                <a:gd name="connsiteY0" fmla="*/ 2269219 h 2269219"/>
+                <a:gd name="connsiteX1" fmla="*/ 11894 w 1704609"/>
+                <a:gd name="connsiteY1" fmla="*/ 1402874 h 2269219"/>
+                <a:gd name="connsiteX2" fmla="*/ 1461728 w 1704609"/>
+                <a:gd name="connsiteY2" fmla="*/ 265065 h 2269219"/>
+                <a:gd name="connsiteX3" fmla="*/ 1704609 w 1704609"/>
+                <a:gd name="connsiteY3" fmla="*/ 2269219 h 2269219"/>
+                <a:gd name="connsiteX4" fmla="*/ 1704608 w 1704609"/>
+                <a:gd name="connsiteY4" fmla="*/ 2269219 h 2269219"/>
+                <a:gd name="connsiteX0" fmla="*/ 1848670 w 1848671"/>
+                <a:gd name="connsiteY0" fmla="*/ 3186868 h 3186868"/>
+                <a:gd name="connsiteX1" fmla="*/ 155956 w 1848671"/>
+                <a:gd name="connsiteY1" fmla="*/ 2320523 h 3186868"/>
+                <a:gd name="connsiteX2" fmla="*/ 1103867 w 1848671"/>
+                <a:gd name="connsiteY2" fmla="*/ 196876 h 3186868"/>
+                <a:gd name="connsiteX3" fmla="*/ 1848671 w 1848671"/>
+                <a:gd name="connsiteY3" fmla="*/ 3186868 h 3186868"/>
+                <a:gd name="connsiteX4" fmla="*/ 1848670 w 1848671"/>
+                <a:gd name="connsiteY4" fmla="*/ 3186868 h 3186868"/>
+                <a:gd name="connsiteX0" fmla="*/ 1700762 w 1700763"/>
+                <a:gd name="connsiteY0" fmla="*/ 2295164 h 2295164"/>
+                <a:gd name="connsiteX1" fmla="*/ 8048 w 1700763"/>
+                <a:gd name="connsiteY1" fmla="*/ 1428819 h 2295164"/>
+                <a:gd name="connsiteX2" fmla="*/ 1494612 w 1700763"/>
+                <a:gd name="connsiteY2" fmla="*/ 262434 h 2295164"/>
+                <a:gd name="connsiteX3" fmla="*/ 1700763 w 1700763"/>
+                <a:gd name="connsiteY3" fmla="*/ 2295164 h 2295164"/>
+                <a:gd name="connsiteX4" fmla="*/ 1700762 w 1700763"/>
+                <a:gd name="connsiteY4" fmla="*/ 2295164 h 2295164"/>
+                <a:gd name="connsiteX0" fmla="*/ 1654396 w 1654397"/>
+                <a:gd name="connsiteY0" fmla="*/ 2298277 h 2298277"/>
+                <a:gd name="connsiteX1" fmla="*/ 10650 w 1654397"/>
+                <a:gd name="connsiteY1" fmla="*/ 1403357 h 2298277"/>
+                <a:gd name="connsiteX2" fmla="*/ 1448246 w 1654397"/>
+                <a:gd name="connsiteY2" fmla="*/ 265547 h 2298277"/>
+                <a:gd name="connsiteX3" fmla="*/ 1654397 w 1654397"/>
+                <a:gd name="connsiteY3" fmla="*/ 2298277 h 2298277"/>
+                <a:gd name="connsiteX4" fmla="*/ 1654396 w 1654397"/>
+                <a:gd name="connsiteY4" fmla="*/ 2298277 h 2298277"/>
+                <a:gd name="connsiteX0" fmla="*/ 1631586 w 1631587"/>
+                <a:gd name="connsiteY0" fmla="*/ 2290624 h 2290624"/>
+                <a:gd name="connsiteX1" fmla="*/ 12324 w 1631587"/>
+                <a:gd name="connsiteY1" fmla="*/ 1467141 h 2290624"/>
+                <a:gd name="connsiteX2" fmla="*/ 1425436 w 1631587"/>
+                <a:gd name="connsiteY2" fmla="*/ 257894 h 2290624"/>
+                <a:gd name="connsiteX3" fmla="*/ 1631587 w 1631587"/>
+                <a:gd name="connsiteY3" fmla="*/ 2290624 h 2290624"/>
+                <a:gd name="connsiteX4" fmla="*/ 1631586 w 1631587"/>
+                <a:gd name="connsiteY4" fmla="*/ 2290624 h 2290624"/>
+                <a:gd name="connsiteX0" fmla="*/ 1619587 w 1619588"/>
+                <a:gd name="connsiteY0" fmla="*/ 2312753 h 2312753"/>
+                <a:gd name="connsiteX1" fmla="*/ 325 w 1619588"/>
+                <a:gd name="connsiteY1" fmla="*/ 1489270 h 2312753"/>
+                <a:gd name="connsiteX2" fmla="*/ 1413437 w 1619588"/>
+                <a:gd name="connsiteY2" fmla="*/ 280023 h 2312753"/>
+                <a:gd name="connsiteX3" fmla="*/ 1619588 w 1619588"/>
+                <a:gd name="connsiteY3" fmla="*/ 2312753 h 2312753"/>
+                <a:gd name="connsiteX4" fmla="*/ 1619587 w 1619588"/>
+                <a:gd name="connsiteY4" fmla="*/ 2312753 h 2312753"/>
+                <a:gd name="connsiteX0" fmla="*/ 1627426 w 1627427"/>
+                <a:gd name="connsiteY0" fmla="*/ 2325924 h 2325924"/>
+                <a:gd name="connsiteX1" fmla="*/ 8164 w 1627427"/>
+                <a:gd name="connsiteY1" fmla="*/ 1502441 h 2325924"/>
+                <a:gd name="connsiteX2" fmla="*/ 1421276 w 1627427"/>
+                <a:gd name="connsiteY2" fmla="*/ 293194 h 2325924"/>
+                <a:gd name="connsiteX3" fmla="*/ 1627427 w 1627427"/>
+                <a:gd name="connsiteY3" fmla="*/ 2325924 h 2325924"/>
+                <a:gd name="connsiteX4" fmla="*/ 1627426 w 1627427"/>
+                <a:gd name="connsiteY4" fmla="*/ 2325924 h 2325924"/>
+                <a:gd name="connsiteX0" fmla="*/ 1622679 w 1622680"/>
+                <a:gd name="connsiteY0" fmla="*/ 2414263 h 2414263"/>
+                <a:gd name="connsiteX1" fmla="*/ 3417 w 1622680"/>
+                <a:gd name="connsiteY1" fmla="*/ 1590780 h 2414263"/>
+                <a:gd name="connsiteX2" fmla="*/ 1416529 w 1622680"/>
+                <a:gd name="connsiteY2" fmla="*/ 381533 h 2414263"/>
+                <a:gd name="connsiteX3" fmla="*/ 1622680 w 1622680"/>
+                <a:gd name="connsiteY3" fmla="*/ 2414263 h 2414263"/>
+                <a:gd name="connsiteX4" fmla="*/ 1622679 w 1622680"/>
+                <a:gd name="connsiteY4" fmla="*/ 2414263 h 2414263"/>
+                <a:gd name="connsiteX0" fmla="*/ 1622679 w 1622680"/>
+                <a:gd name="connsiteY0" fmla="*/ 2414263 h 2426834"/>
+                <a:gd name="connsiteX1" fmla="*/ 3417 w 1622680"/>
+                <a:gd name="connsiteY1" fmla="*/ 1590780 h 2426834"/>
+                <a:gd name="connsiteX2" fmla="*/ 1416529 w 1622680"/>
+                <a:gd name="connsiteY2" fmla="*/ 381533 h 2426834"/>
+                <a:gd name="connsiteX3" fmla="*/ 1622680 w 1622680"/>
+                <a:gd name="connsiteY3" fmla="*/ 2414263 h 2426834"/>
+                <a:gd name="connsiteX4" fmla="*/ 1622679 w 1622680"/>
+                <a:gd name="connsiteY4" fmla="*/ 2414263 h 2426834"/>
+                <a:gd name="connsiteX0" fmla="*/ 1619553 w 1619554"/>
+                <a:gd name="connsiteY0" fmla="*/ 2042076 h 2054647"/>
+                <a:gd name="connsiteX1" fmla="*/ 291 w 1619554"/>
+                <a:gd name="connsiteY1" fmla="*/ 1218593 h 2054647"/>
+                <a:gd name="connsiteX2" fmla="*/ 1413403 w 1619554"/>
+                <a:gd name="connsiteY2" fmla="*/ 9346 h 2054647"/>
+                <a:gd name="connsiteX3" fmla="*/ 759648 w 1619554"/>
+                <a:gd name="connsiteY3" fmla="*/ 1199204 h 2054647"/>
+                <a:gd name="connsiteX4" fmla="*/ 1619554 w 1619554"/>
+                <a:gd name="connsiteY4" fmla="*/ 2042076 h 2054647"/>
+                <a:gd name="connsiteX5" fmla="*/ 1619553 w 1619554"/>
+                <a:gd name="connsiteY5" fmla="*/ 2042076 h 2054647"/>
+                <a:gd name="connsiteX0" fmla="*/ 1620706 w 1620707"/>
+                <a:gd name="connsiteY0" fmla="*/ 2382274 h 2394845"/>
+                <a:gd name="connsiteX1" fmla="*/ 1444 w 1620707"/>
+                <a:gd name="connsiteY1" fmla="*/ 1558791 h 2394845"/>
+                <a:gd name="connsiteX2" fmla="*/ 1414556 w 1620707"/>
+                <a:gd name="connsiteY2" fmla="*/ 349544 h 2394845"/>
+                <a:gd name="connsiteX3" fmla="*/ 760801 w 1620707"/>
+                <a:gd name="connsiteY3" fmla="*/ 1539402 h 2394845"/>
+                <a:gd name="connsiteX4" fmla="*/ 1620707 w 1620707"/>
+                <a:gd name="connsiteY4" fmla="*/ 2382274 h 2394845"/>
+                <a:gd name="connsiteX5" fmla="*/ 1620706 w 1620707"/>
+                <a:gd name="connsiteY5" fmla="*/ 2382274 h 2394845"/>
+                <a:gd name="connsiteX0" fmla="*/ 1620706 w 1620707"/>
+                <a:gd name="connsiteY0" fmla="*/ 2382274 h 2394845"/>
+                <a:gd name="connsiteX1" fmla="*/ 1444 w 1620707"/>
+                <a:gd name="connsiteY1" fmla="*/ 1558791 h 2394845"/>
+                <a:gd name="connsiteX2" fmla="*/ 1414556 w 1620707"/>
+                <a:gd name="connsiteY2" fmla="*/ 349544 h 2394845"/>
+                <a:gd name="connsiteX3" fmla="*/ 760801 w 1620707"/>
+                <a:gd name="connsiteY3" fmla="*/ 1539402 h 2394845"/>
+                <a:gd name="connsiteX4" fmla="*/ 1620707 w 1620707"/>
+                <a:gd name="connsiteY4" fmla="*/ 2382274 h 2394845"/>
+                <a:gd name="connsiteX5" fmla="*/ 1620706 w 1620707"/>
+                <a:gd name="connsiteY5" fmla="*/ 2382274 h 2394845"/>
+                <a:gd name="connsiteX0" fmla="*/ 1620706 w 1620707"/>
+                <a:gd name="connsiteY0" fmla="*/ 2382274 h 2394845"/>
+                <a:gd name="connsiteX1" fmla="*/ 1444 w 1620707"/>
+                <a:gd name="connsiteY1" fmla="*/ 1558791 h 2394845"/>
+                <a:gd name="connsiteX2" fmla="*/ 1414556 w 1620707"/>
+                <a:gd name="connsiteY2" fmla="*/ 349544 h 2394845"/>
+                <a:gd name="connsiteX3" fmla="*/ 760801 w 1620707"/>
+                <a:gd name="connsiteY3" fmla="*/ 1539402 h 2394845"/>
+                <a:gd name="connsiteX4" fmla="*/ 1620707 w 1620707"/>
+                <a:gd name="connsiteY4" fmla="*/ 2382274 h 2394845"/>
+                <a:gd name="connsiteX5" fmla="*/ 1620706 w 1620707"/>
+                <a:gd name="connsiteY5" fmla="*/ 2382274 h 2394845"/>
+                <a:gd name="connsiteX0" fmla="*/ 1620706 w 1620707"/>
+                <a:gd name="connsiteY0" fmla="*/ 2382274 h 2394845"/>
+                <a:gd name="connsiteX1" fmla="*/ 1444 w 1620707"/>
+                <a:gd name="connsiteY1" fmla="*/ 1558791 h 2394845"/>
+                <a:gd name="connsiteX2" fmla="*/ 1414556 w 1620707"/>
+                <a:gd name="connsiteY2" fmla="*/ 349544 h 2394845"/>
+                <a:gd name="connsiteX3" fmla="*/ 662865 w 1620707"/>
+                <a:gd name="connsiteY3" fmla="*/ 1610839 h 2394845"/>
+                <a:gd name="connsiteX4" fmla="*/ 1620707 w 1620707"/>
+                <a:gd name="connsiteY4" fmla="*/ 2382274 h 2394845"/>
+                <a:gd name="connsiteX5" fmla="*/ 1620706 w 1620707"/>
+                <a:gd name="connsiteY5" fmla="*/ 2382274 h 2394845"/>
+                <a:gd name="connsiteX0" fmla="*/ 1620706 w 1620707"/>
+                <a:gd name="connsiteY0" fmla="*/ 2382274 h 2394845"/>
+                <a:gd name="connsiteX1" fmla="*/ 1444 w 1620707"/>
+                <a:gd name="connsiteY1" fmla="*/ 1558791 h 2394845"/>
+                <a:gd name="connsiteX2" fmla="*/ 1414556 w 1620707"/>
+                <a:gd name="connsiteY2" fmla="*/ 349544 h 2394845"/>
+                <a:gd name="connsiteX3" fmla="*/ 662865 w 1620707"/>
+                <a:gd name="connsiteY3" fmla="*/ 1610839 h 2394845"/>
+                <a:gd name="connsiteX4" fmla="*/ 1620707 w 1620707"/>
+                <a:gd name="connsiteY4" fmla="*/ 2382274 h 2394845"/>
+                <a:gd name="connsiteX5" fmla="*/ 1620706 w 1620707"/>
+                <a:gd name="connsiteY5" fmla="*/ 2382274 h 2394845"/>
+                <a:gd name="connsiteX0" fmla="*/ 1620706 w 1620707"/>
+                <a:gd name="connsiteY0" fmla="*/ 2382274 h 2394845"/>
+                <a:gd name="connsiteX1" fmla="*/ 1444 w 1620707"/>
+                <a:gd name="connsiteY1" fmla="*/ 1558791 h 2394845"/>
+                <a:gd name="connsiteX2" fmla="*/ 1414556 w 1620707"/>
+                <a:gd name="connsiteY2" fmla="*/ 349544 h 2394845"/>
+                <a:gd name="connsiteX3" fmla="*/ 662865 w 1620707"/>
+                <a:gd name="connsiteY3" fmla="*/ 1610839 h 2394845"/>
+                <a:gd name="connsiteX4" fmla="*/ 1620707 w 1620707"/>
+                <a:gd name="connsiteY4" fmla="*/ 2382274 h 2394845"/>
+                <a:gd name="connsiteX5" fmla="*/ 1620706 w 1620707"/>
+                <a:gd name="connsiteY5" fmla="*/ 2382274 h 2394845"/>
+                <a:gd name="connsiteX0" fmla="*/ 1620706 w 1620707"/>
+                <a:gd name="connsiteY0" fmla="*/ 2382274 h 2394845"/>
+                <a:gd name="connsiteX1" fmla="*/ 1444 w 1620707"/>
+                <a:gd name="connsiteY1" fmla="*/ 1558791 h 2394845"/>
+                <a:gd name="connsiteX2" fmla="*/ 1414556 w 1620707"/>
+                <a:gd name="connsiteY2" fmla="*/ 349544 h 2394845"/>
+                <a:gd name="connsiteX3" fmla="*/ 662865 w 1620707"/>
+                <a:gd name="connsiteY3" fmla="*/ 839314 h 2394845"/>
+                <a:gd name="connsiteX4" fmla="*/ 1620707 w 1620707"/>
+                <a:gd name="connsiteY4" fmla="*/ 2382274 h 2394845"/>
+                <a:gd name="connsiteX5" fmla="*/ 1620706 w 1620707"/>
+                <a:gd name="connsiteY5" fmla="*/ 2382274 h 2394845"/>
+                <a:gd name="connsiteX0" fmla="*/ 1620706 w 1620707"/>
+                <a:gd name="connsiteY0" fmla="*/ 2382274 h 2394845"/>
+                <a:gd name="connsiteX1" fmla="*/ 1444 w 1620707"/>
+                <a:gd name="connsiteY1" fmla="*/ 1558791 h 2394845"/>
+                <a:gd name="connsiteX2" fmla="*/ 1414556 w 1620707"/>
+                <a:gd name="connsiteY2" fmla="*/ 349544 h 2394845"/>
+                <a:gd name="connsiteX3" fmla="*/ 662865 w 1620707"/>
+                <a:gd name="connsiteY3" fmla="*/ 839314 h 2394845"/>
+                <a:gd name="connsiteX4" fmla="*/ 1620707 w 1620707"/>
+                <a:gd name="connsiteY4" fmla="*/ 2382274 h 2394845"/>
+                <a:gd name="connsiteX5" fmla="*/ 1620706 w 1620707"/>
+                <a:gd name="connsiteY5" fmla="*/ 2382274 h 2394845"/>
+                <a:gd name="connsiteX0" fmla="*/ 1620706 w 1620707"/>
+                <a:gd name="connsiteY0" fmla="*/ 2382274 h 2394845"/>
+                <a:gd name="connsiteX1" fmla="*/ 1444 w 1620707"/>
+                <a:gd name="connsiteY1" fmla="*/ 1558791 h 2394845"/>
+                <a:gd name="connsiteX2" fmla="*/ 1414556 w 1620707"/>
+                <a:gd name="connsiteY2" fmla="*/ 349544 h 2394845"/>
+                <a:gd name="connsiteX3" fmla="*/ 662865 w 1620707"/>
+                <a:gd name="connsiteY3" fmla="*/ 839314 h 2394845"/>
+                <a:gd name="connsiteX4" fmla="*/ 1620707 w 1620707"/>
+                <a:gd name="connsiteY4" fmla="*/ 2382274 h 2394845"/>
+                <a:gd name="connsiteX5" fmla="*/ 1620706 w 1620707"/>
+                <a:gd name="connsiteY5" fmla="*/ 2382274 h 2394845"/>
+                <a:gd name="connsiteX0" fmla="*/ 1620706 w 1620707"/>
+                <a:gd name="connsiteY0" fmla="*/ 2382274 h 2394845"/>
+                <a:gd name="connsiteX1" fmla="*/ 1444 w 1620707"/>
+                <a:gd name="connsiteY1" fmla="*/ 1558791 h 2394845"/>
+                <a:gd name="connsiteX2" fmla="*/ 1414556 w 1620707"/>
+                <a:gd name="connsiteY2" fmla="*/ 349544 h 2394845"/>
+                <a:gd name="connsiteX3" fmla="*/ 662865 w 1620707"/>
+                <a:gd name="connsiteY3" fmla="*/ 839314 h 2394845"/>
+                <a:gd name="connsiteX4" fmla="*/ 1620707 w 1620707"/>
+                <a:gd name="connsiteY4" fmla="*/ 2382274 h 2394845"/>
+                <a:gd name="connsiteX5" fmla="*/ 1620706 w 1620707"/>
+                <a:gd name="connsiteY5" fmla="*/ 2382274 h 2394845"/>
+                <a:gd name="connsiteX0" fmla="*/ 1620706 w 1620707"/>
+                <a:gd name="connsiteY0" fmla="*/ 2382274 h 2394845"/>
+                <a:gd name="connsiteX1" fmla="*/ 1444 w 1620707"/>
+                <a:gd name="connsiteY1" fmla="*/ 1558791 h 2394845"/>
+                <a:gd name="connsiteX2" fmla="*/ 1414556 w 1620707"/>
+                <a:gd name="connsiteY2" fmla="*/ 349544 h 2394845"/>
+                <a:gd name="connsiteX3" fmla="*/ 662865 w 1620707"/>
+                <a:gd name="connsiteY3" fmla="*/ 839314 h 2394845"/>
+                <a:gd name="connsiteX4" fmla="*/ 1620707 w 1620707"/>
+                <a:gd name="connsiteY4" fmla="*/ 2382274 h 2394845"/>
+                <a:gd name="connsiteX5" fmla="*/ 1620706 w 1620707"/>
+                <a:gd name="connsiteY5" fmla="*/ 2382274 h 2394845"/>
+                <a:gd name="connsiteX0" fmla="*/ 1620706 w 1620707"/>
+                <a:gd name="connsiteY0" fmla="*/ 2382274 h 2394845"/>
+                <a:gd name="connsiteX1" fmla="*/ 1444 w 1620707"/>
+                <a:gd name="connsiteY1" fmla="*/ 1558791 h 2394845"/>
+                <a:gd name="connsiteX2" fmla="*/ 1414556 w 1620707"/>
+                <a:gd name="connsiteY2" fmla="*/ 349544 h 2394845"/>
+                <a:gd name="connsiteX3" fmla="*/ 687349 w 1620707"/>
+                <a:gd name="connsiteY3" fmla="*/ 796452 h 2394845"/>
+                <a:gd name="connsiteX4" fmla="*/ 1620707 w 1620707"/>
+                <a:gd name="connsiteY4" fmla="*/ 2382274 h 2394845"/>
+                <a:gd name="connsiteX5" fmla="*/ 1620706 w 1620707"/>
+                <a:gd name="connsiteY5" fmla="*/ 2382274 h 2394845"/>
+                <a:gd name="connsiteX0" fmla="*/ 1622400 w 1622401"/>
+                <a:gd name="connsiteY0" fmla="*/ 2279714 h 2285862"/>
+                <a:gd name="connsiteX1" fmla="*/ 3138 w 1622401"/>
+                <a:gd name="connsiteY1" fmla="*/ 1456231 h 2285862"/>
+                <a:gd name="connsiteX2" fmla="*/ 1416250 w 1622401"/>
+                <a:gd name="connsiteY2" fmla="*/ 318421 h 2285862"/>
+                <a:gd name="connsiteX3" fmla="*/ 689043 w 1622401"/>
+                <a:gd name="connsiteY3" fmla="*/ 693892 h 2285862"/>
+                <a:gd name="connsiteX4" fmla="*/ 1622401 w 1622401"/>
+                <a:gd name="connsiteY4" fmla="*/ 2279714 h 2285862"/>
+                <a:gd name="connsiteX5" fmla="*/ 1622400 w 1622401"/>
+                <a:gd name="connsiteY5" fmla="*/ 2279714 h 2285862"/>
+                <a:gd name="connsiteX0" fmla="*/ 1621973 w 1621974"/>
+                <a:gd name="connsiteY0" fmla="*/ 2383822 h 2389970"/>
+                <a:gd name="connsiteX1" fmla="*/ 2711 w 1621974"/>
+                <a:gd name="connsiteY1" fmla="*/ 1560339 h 2389970"/>
+                <a:gd name="connsiteX2" fmla="*/ 1415823 w 1621974"/>
+                <a:gd name="connsiteY2" fmla="*/ 422529 h 2389970"/>
+                <a:gd name="connsiteX3" fmla="*/ 688616 w 1621974"/>
+                <a:gd name="connsiteY3" fmla="*/ 798000 h 2389970"/>
+                <a:gd name="connsiteX4" fmla="*/ 1621974 w 1621974"/>
+                <a:gd name="connsiteY4" fmla="*/ 2383822 h 2389970"/>
+                <a:gd name="connsiteX5" fmla="*/ 1621973 w 1621974"/>
+                <a:gd name="connsiteY5" fmla="*/ 2383822 h 2389970"/>
+                <a:gd name="connsiteX0" fmla="*/ 1621973 w 1621974"/>
+                <a:gd name="connsiteY0" fmla="*/ 2383822 h 2389970"/>
+                <a:gd name="connsiteX1" fmla="*/ 2711 w 1621974"/>
+                <a:gd name="connsiteY1" fmla="*/ 1560339 h 2389970"/>
+                <a:gd name="connsiteX2" fmla="*/ 1415823 w 1621974"/>
+                <a:gd name="connsiteY2" fmla="*/ 422529 h 2389970"/>
+                <a:gd name="connsiteX3" fmla="*/ 688616 w 1621974"/>
+                <a:gd name="connsiteY3" fmla="*/ 798000 h 2389970"/>
+                <a:gd name="connsiteX4" fmla="*/ 1621974 w 1621974"/>
+                <a:gd name="connsiteY4" fmla="*/ 2383822 h 2389970"/>
+                <a:gd name="connsiteX5" fmla="*/ 1621973 w 1621974"/>
+                <a:gd name="connsiteY5" fmla="*/ 2383822 h 2389970"/>
+                <a:gd name="connsiteX0" fmla="*/ 1621973 w 1621974"/>
+                <a:gd name="connsiteY0" fmla="*/ 2383822 h 2389970"/>
+                <a:gd name="connsiteX1" fmla="*/ 2711 w 1621974"/>
+                <a:gd name="connsiteY1" fmla="*/ 1560339 h 2389970"/>
+                <a:gd name="connsiteX2" fmla="*/ 1415823 w 1621974"/>
+                <a:gd name="connsiteY2" fmla="*/ 422529 h 2389970"/>
+                <a:gd name="connsiteX3" fmla="*/ 688616 w 1621974"/>
+                <a:gd name="connsiteY3" fmla="*/ 798000 h 2389970"/>
+                <a:gd name="connsiteX4" fmla="*/ 1621974 w 1621974"/>
+                <a:gd name="connsiteY4" fmla="*/ 2383822 h 2389970"/>
+                <a:gd name="connsiteX5" fmla="*/ 1621973 w 1621974"/>
+                <a:gd name="connsiteY5" fmla="*/ 2383822 h 2389970"/>
+                <a:gd name="connsiteX0" fmla="*/ 1621973 w 1621974"/>
+                <a:gd name="connsiteY0" fmla="*/ 2383822 h 2389970"/>
+                <a:gd name="connsiteX1" fmla="*/ 2711 w 1621974"/>
+                <a:gd name="connsiteY1" fmla="*/ 1560339 h 2389970"/>
+                <a:gd name="connsiteX2" fmla="*/ 1415823 w 1621974"/>
+                <a:gd name="connsiteY2" fmla="*/ 422529 h 2389970"/>
+                <a:gd name="connsiteX3" fmla="*/ 688616 w 1621974"/>
+                <a:gd name="connsiteY3" fmla="*/ 798000 h 2389970"/>
+                <a:gd name="connsiteX4" fmla="*/ 1621974 w 1621974"/>
+                <a:gd name="connsiteY4" fmla="*/ 2383822 h 2389970"/>
+                <a:gd name="connsiteX5" fmla="*/ 1621973 w 1621974"/>
+                <a:gd name="connsiteY5" fmla="*/ 2383822 h 2389970"/>
+                <a:gd name="connsiteX0" fmla="*/ 1621973 w 1621974"/>
+                <a:gd name="connsiteY0" fmla="*/ 2383822 h 2389970"/>
+                <a:gd name="connsiteX1" fmla="*/ 2711 w 1621974"/>
+                <a:gd name="connsiteY1" fmla="*/ 1560339 h 2389970"/>
+                <a:gd name="connsiteX2" fmla="*/ 1415823 w 1621974"/>
+                <a:gd name="connsiteY2" fmla="*/ 422529 h 2389970"/>
+                <a:gd name="connsiteX3" fmla="*/ 688616 w 1621974"/>
+                <a:gd name="connsiteY3" fmla="*/ 798000 h 2389970"/>
+                <a:gd name="connsiteX4" fmla="*/ 1621974 w 1621974"/>
+                <a:gd name="connsiteY4" fmla="*/ 2383822 h 2389970"/>
+                <a:gd name="connsiteX5" fmla="*/ 1621973 w 1621974"/>
+                <a:gd name="connsiteY5" fmla="*/ 2383822 h 2389970"/>
+                <a:gd name="connsiteX0" fmla="*/ 1621973 w 1621974"/>
+                <a:gd name="connsiteY0" fmla="*/ 2383822 h 2389970"/>
+                <a:gd name="connsiteX1" fmla="*/ 2711 w 1621974"/>
+                <a:gd name="connsiteY1" fmla="*/ 1560339 h 2389970"/>
+                <a:gd name="connsiteX2" fmla="*/ 1415823 w 1621974"/>
+                <a:gd name="connsiteY2" fmla="*/ 422529 h 2389970"/>
+                <a:gd name="connsiteX3" fmla="*/ 688616 w 1621974"/>
+                <a:gd name="connsiteY3" fmla="*/ 798000 h 2389970"/>
+                <a:gd name="connsiteX4" fmla="*/ 1621974 w 1621974"/>
+                <a:gd name="connsiteY4" fmla="*/ 2383822 h 2389970"/>
+                <a:gd name="connsiteX5" fmla="*/ 1621973 w 1621974"/>
+                <a:gd name="connsiteY5" fmla="*/ 2383822 h 2389970"/>
+              </a:gdLst>
+              <a:ahLst/>
+              <a:cxnLst>
+                <a:cxn ang="0">
+                  <a:pos x="connsiteX0" y="connsiteY0"/>
+                </a:cxn>
+                <a:cxn ang="0">
+                  <a:pos x="connsiteX1" y="connsiteY1"/>
+                </a:cxn>
+                <a:cxn ang="0">
+                  <a:pos x="connsiteX2" y="connsiteY2"/>
+                </a:cxn>
+                <a:cxn ang="0">
+                  <a:pos x="connsiteX3" y="connsiteY3"/>
+                </a:cxn>
+                <a:cxn ang="0">
+                  <a:pos x="connsiteX4" y="connsiteY4"/>
+                </a:cxn>
+                <a:cxn ang="0">
+                  <a:pos x="connsiteX5" y="connsiteY5"/>
+                </a:cxn>
+              </a:cxnLst>
+              <a:rect l="l" t="t" r="r" b="b"/>
+              <a:pathLst>
+                <a:path w="1621974" h="2389970">
+                  <a:moveTo>
+                    <a:pt x="1621973" y="2383822"/>
+                  </a:moveTo>
+                  <a:cubicBezTo>
+                    <a:pt x="613074" y="2455259"/>
+                    <a:pt x="37069" y="1887221"/>
+                    <a:pt x="2711" y="1560339"/>
+                  </a:cubicBezTo>
+                  <a:cubicBezTo>
+                    <a:pt x="-31647" y="1233457"/>
+                    <a:pt x="250729" y="-886309"/>
+                    <a:pt x="1415823" y="422529"/>
+                  </a:cubicBezTo>
+                  <a:cubicBezTo>
+                    <a:pt x="1295501" y="388341"/>
+                    <a:pt x="654258" y="173462"/>
+                    <a:pt x="688616" y="798000"/>
+                  </a:cubicBezTo>
+                  <a:cubicBezTo>
+                    <a:pt x="318986" y="1551126"/>
+                    <a:pt x="1537826" y="2340975"/>
+                    <a:pt x="1621974" y="2383822"/>
+                  </a:cubicBezTo>
+                  <a:lnTo>
+                    <a:pt x="1621973" y="2383822"/>
+                  </a:lnTo>
+                  <a:close/>
+                </a:path>
+              </a:pathLst>
+            </a:custGeom>
+            <a:solidFill>
+              <a:srgbClr val="37362E"/>
+            </a:solidFill>
+            <a:ln>
+              <a:noFill/>
+            </a:ln>
+          </p:spPr>
+          <p:style>
+            <a:lnRef idx="2">
+              <a:schemeClr val="accent1">
+                <a:shade val="50000"/>
+              </a:schemeClr>
+            </a:lnRef>
+            <a:fillRef idx="1">
+              <a:schemeClr val="accent1"/>
+            </a:fillRef>
+            <a:effectRef idx="0">
+              <a:schemeClr val="accent1"/>
+            </a:effectRef>
+            <a:fontRef idx="minor">
+              <a:schemeClr val="lt1"/>
+            </a:fontRef>
+          </p:style>
+          <p:txBody>
+            <a:bodyPr rtlCol="0" anchor="ctr"/>
+            <a:lstStyle/>
+            <a:p>
+              <a:pPr algn="ctr"/>
+              <a:endParaRPr lang="es-CL"/>
+            </a:p>
+          </p:txBody>
+        </p:sp>
+        <p:grpSp>
+          <p:nvGrpSpPr>
+            <p:cNvPr id="38" name="Grupo 37">
+              <a:extLst>
+                <a:ext uri="{FF2B5EF4-FFF2-40B4-BE49-F238E27FC236}">
+                  <a16:creationId xmlns:a16="http://schemas.microsoft.com/office/drawing/2014/main" id="{C44F68AC-5031-4BC8-ADD0-F5874153E73F}"/>
+                </a:ext>
+              </a:extLst>
+            </p:cNvPr>
+            <p:cNvGrpSpPr/>
+            <p:nvPr/>
+          </p:nvGrpSpPr>
+          <p:grpSpPr>
+            <a:xfrm rot="1023587">
+              <a:off x="5085587" y="2008934"/>
+              <a:ext cx="1286213" cy="507254"/>
+              <a:chOff x="10062692" y="1543050"/>
+              <a:chExt cx="1286213" cy="507254"/>
+            </a:xfrm>
+          </p:grpSpPr>
+          <p:sp>
+            <p:nvSpPr>
+              <p:cNvPr id="36" name="Marco 35">
+                <a:extLst>
+                  <a:ext uri="{FF2B5EF4-FFF2-40B4-BE49-F238E27FC236}">
+                    <a16:creationId xmlns:a16="http://schemas.microsoft.com/office/drawing/2014/main" id="{F1ABE7D3-C344-40D9-948B-E6EE29236EC4}"/>
+                  </a:ext>
+                </a:extLst>
+              </p:cNvPr>
+              <p:cNvSpPr/>
+              <p:nvPr/>
+            </p:nvSpPr>
+            <p:spPr>
+              <a:xfrm>
+                <a:off x="10062692" y="1543050"/>
+                <a:ext cx="597270" cy="507254"/>
+              </a:xfrm>
+              <a:prstGeom prst="frame">
+                <a:avLst/>
+              </a:prstGeom>
+              <a:solidFill>
+                <a:srgbClr val="37362E"/>
+              </a:solidFill>
+              <a:ln>
+                <a:noFill/>
+              </a:ln>
+            </p:spPr>
+            <p:style>
+              <a:lnRef idx="2">
+                <a:schemeClr val="accent1">
+                  <a:shade val="50000"/>
+                </a:schemeClr>
+              </a:lnRef>
+              <a:fillRef idx="1">
+                <a:schemeClr val="accent1"/>
+              </a:fillRef>
+              <a:effectRef idx="0">
+                <a:schemeClr val="accent1"/>
+              </a:effectRef>
+              <a:fontRef idx="minor">
+                <a:schemeClr val="lt1"/>
+              </a:fontRef>
+            </p:style>
+            <p:txBody>
+              <a:bodyPr rtlCol="0" anchor="ctr"/>
+              <a:lstStyle/>
+              <a:p>
+                <a:pPr algn="ctr"/>
+                <a:endParaRPr lang="es-CL">
+                  <a:solidFill>
+                    <a:schemeClr val="tx1"/>
+                  </a:solidFill>
+                </a:endParaRPr>
+              </a:p>
+            </p:txBody>
+          </p:sp>
+          <p:sp>
+            <p:nvSpPr>
+              <p:cNvPr id="37" name="Marco 36">
+                <a:extLst>
+                  <a:ext uri="{FF2B5EF4-FFF2-40B4-BE49-F238E27FC236}">
+                    <a16:creationId xmlns:a16="http://schemas.microsoft.com/office/drawing/2014/main" id="{F4211BFE-385F-4A8C-8689-420B22EF12F1}"/>
+                  </a:ext>
+                </a:extLst>
+              </p:cNvPr>
+              <p:cNvSpPr/>
+              <p:nvPr/>
+            </p:nvSpPr>
+            <p:spPr>
+              <a:xfrm>
+                <a:off x="10751635" y="1543050"/>
+                <a:ext cx="597270" cy="507254"/>
+              </a:xfrm>
+              <a:prstGeom prst="frame">
+                <a:avLst/>
+              </a:prstGeom>
+              <a:solidFill>
+                <a:srgbClr val="37362E"/>
+              </a:solidFill>
+              <a:ln>
+                <a:noFill/>
+              </a:ln>
+            </p:spPr>
+            <p:style>
+              <a:lnRef idx="2">
+                <a:schemeClr val="accent1">
+                  <a:shade val="50000"/>
+                </a:schemeClr>
+              </a:lnRef>
+              <a:fillRef idx="1">
+                <a:schemeClr val="accent1"/>
+              </a:fillRef>
+              <a:effectRef idx="0">
+                <a:schemeClr val="accent1"/>
+              </a:effectRef>
+              <a:fontRef idx="minor">
+                <a:schemeClr val="lt1"/>
+              </a:fontRef>
+            </p:style>
+            <p:txBody>
+              <a:bodyPr rtlCol="0" anchor="ctr"/>
+              <a:lstStyle/>
+              <a:p>
+                <a:pPr algn="ctr"/>
+                <a:endParaRPr lang="es-CL">
+                  <a:solidFill>
+                    <a:schemeClr val="tx1"/>
+                  </a:solidFill>
+                </a:endParaRPr>
+              </a:p>
+            </p:txBody>
+          </p:sp>
+        </p:grpSp>
+        <p:cxnSp>
+          <p:nvCxnSpPr>
+            <p:cNvPr id="40" name="Conector recto 39">
+              <a:extLst>
+                <a:ext uri="{FF2B5EF4-FFF2-40B4-BE49-F238E27FC236}">
+                  <a16:creationId xmlns:a16="http://schemas.microsoft.com/office/drawing/2014/main" id="{5FDB14CD-3AEC-44A1-B1FF-AE304C3FAE5C}"/>
+                </a:ext>
+              </a:extLst>
+            </p:cNvPr>
+            <p:cNvCxnSpPr>
+              <a:cxnSpLocks/>
+            </p:cNvCxnSpPr>
+            <p:nvPr/>
+          </p:nvCxnSpPr>
+          <p:spPr>
+            <a:xfrm>
+              <a:off x="4570117" y="1629312"/>
+              <a:ext cx="631006" cy="250847"/>
+            </a:xfrm>
+            <a:prstGeom prst="line">
+              <a:avLst/>
+            </a:prstGeom>
+            <a:ln w="76200">
+              <a:solidFill>
+                <a:srgbClr val="37362E"/>
+              </a:solidFill>
+            </a:ln>
+          </p:spPr>
+          <p:style>
+            <a:lnRef idx="1">
+              <a:schemeClr val="accent1"/>
+            </a:lnRef>
+            <a:fillRef idx="0">
+              <a:schemeClr val="accent1"/>
+            </a:fillRef>
+            <a:effectRef idx="0">
+              <a:schemeClr val="accent1"/>
+            </a:effectRef>
+            <a:fontRef idx="minor">
+              <a:schemeClr val="tx1"/>
+            </a:fontRef>
+          </p:style>
+        </p:cxnSp>
+        <p:sp>
+          <p:nvSpPr>
+            <p:cNvPr id="44" name="Elipse 43">
+              <a:extLst>
+                <a:ext uri="{FF2B5EF4-FFF2-40B4-BE49-F238E27FC236}">
+                  <a16:creationId xmlns:a16="http://schemas.microsoft.com/office/drawing/2014/main" id="{67E2AD6F-87B1-4F4F-9C72-D55A368E645C}"/>
+                </a:ext>
+              </a:extLst>
+            </p:cNvPr>
+            <p:cNvSpPr/>
+            <p:nvPr/>
+          </p:nvSpPr>
+          <p:spPr>
+            <a:xfrm>
+              <a:off x="58456" y="6075506"/>
+              <a:ext cx="3466014" cy="1379144"/>
+            </a:xfrm>
+            <a:prstGeom prst="ellipse">
+              <a:avLst/>
+            </a:prstGeom>
+            <a:solidFill>
+              <a:srgbClr val="9E281C"/>
+            </a:solidFill>
+            <a:ln>
+              <a:noFill/>
+            </a:ln>
+          </p:spPr>
+          <p:style>
+            <a:lnRef idx="2">
+              <a:schemeClr val="accent1">
+                <a:shade val="50000"/>
+              </a:schemeClr>
+            </a:lnRef>
+            <a:fillRef idx="1">
+              <a:schemeClr val="accent1"/>
+            </a:fillRef>
+            <a:effectRef idx="0">
+              <a:schemeClr val="accent1"/>
+            </a:effectRef>
+            <a:fontRef idx="minor">
+              <a:schemeClr val="lt1"/>
+            </a:fontRef>
+          </p:style>
+          <p:txBody>
+            <a:bodyPr rtlCol="0" anchor="ctr"/>
+            <a:lstStyle/>
+            <a:p>
+              <a:pPr algn="ctr"/>
+              <a:endParaRPr lang="es-CL"/>
+            </a:p>
+          </p:txBody>
+        </p:sp>
+        <p:sp>
+          <p:nvSpPr>
+            <p:cNvPr id="50" name="Círculo: vacío 49">
+              <a:extLst>
+                <a:ext uri="{FF2B5EF4-FFF2-40B4-BE49-F238E27FC236}">
+                  <a16:creationId xmlns:a16="http://schemas.microsoft.com/office/drawing/2014/main" id="{BCF46F9F-D5EF-4218-A579-E86E89F64363}"/>
+                </a:ext>
+              </a:extLst>
+            </p:cNvPr>
+            <p:cNvSpPr/>
+            <p:nvPr/>
+          </p:nvSpPr>
+          <p:spPr>
+            <a:xfrm>
+              <a:off x="58455" y="6021787"/>
+              <a:ext cx="3557343" cy="1441075"/>
+            </a:xfrm>
+            <a:prstGeom prst="donut">
+              <a:avLst>
+                <a:gd name="adj" fmla="val 11907"/>
+              </a:avLst>
+            </a:prstGeom>
+            <a:solidFill>
+              <a:srgbClr val="CE5046"/>
+            </a:solidFill>
+            <a:ln>
+              <a:noFill/>
+            </a:ln>
+          </p:spPr>
+          <p:style>
+            <a:lnRef idx="2">
+              <a:schemeClr val="accent1">
+                <a:shade val="50000"/>
+              </a:schemeClr>
+            </a:lnRef>
+            <a:fillRef idx="1">
+              <a:schemeClr val="accent1"/>
+            </a:fillRef>
+            <a:effectRef idx="0">
+              <a:schemeClr val="accent1"/>
+            </a:effectRef>
+            <a:fontRef idx="minor">
+              <a:schemeClr val="lt1"/>
+            </a:fontRef>
+          </p:style>
+          <p:txBody>
+            <a:bodyPr rtlCol="0" anchor="ctr"/>
+            <a:lstStyle/>
+            <a:p>
+              <a:pPr algn="ctr"/>
+              <a:endParaRPr lang="es-CL"/>
+            </a:p>
+          </p:txBody>
+        </p:sp>
+      </p:grpSp>
+    </p:spTree>
+    <p:extLst>
+      <p:ext uri="{BB962C8B-B14F-4D97-AF65-F5344CB8AC3E}">
+        <p14:creationId xmlns:p14="http://schemas.microsoft.com/office/powerpoint/2010/main" val="150923521"/>
+      </p:ext>
+    </p:extLst>
+  </p:cSld>
+  <p:clrMapOvr>
+    <a:masterClrMapping/>
+  </p:clrMapOvr>
+</p:sld>
+</file>
+
 <file path=ppt/theme/theme1.xml><?xml version="1.0" encoding="utf-8"?>
 <a:theme xmlns:a="http://schemas.openxmlformats.org/drawingml/2006/main" name="Tema de Office">
   <a:themeElements>
